--- a/중급반 수업 자료/1_C++/기초반 C++언어 강의자료/C++_5_생성자_소멸자_Static/C++_5_생성자_Static_소멸자.pptx
+++ b/중급반 수업 자료/1_C++/기초반 C++언어 강의자료/C++_5_생성자_소멸자_Static/C++_5_생성자_Static_소멸자.pptx
@@ -41,34 +41,30 @@
   <p:notesSz cx="6858000" cy="9144000"/>
   <p:embeddedFontLst>
     <p:embeddedFont>
-      <p:font typeface="HY헤드라인M" panose="02030600000101010101" pitchFamily="18" charset="-127"/>
+      <p:font typeface="HY헤드라인M" pitchFamily="18" charset="-127"/>
       <p:regular r:id="rId31"/>
     </p:embeddedFont>
     <p:embeddedFont>
-      <p:font typeface="HY강M" panose="020B0600000101010101" charset="-127"/>
-      <p:regular r:id="rId32"/>
+      <p:font typeface="Segoe UI Black" pitchFamily="34" charset="0"/>
+      <p:bold r:id="rId32"/>
+      <p:boldItalic r:id="rId33"/>
     </p:embeddedFont>
     <p:embeddedFont>
-      <p:font typeface="Yoon 윤고딕 520_TT" panose="020B0600000101010101" charset="-127"/>
-      <p:regular r:id="rId33"/>
-    </p:embeddedFont>
-    <p:embeddedFont>
-      <p:font typeface="HY강B" panose="020B0600000101010101" charset="-127"/>
+      <p:font typeface="HY견고딕" pitchFamily="18" charset="-127"/>
       <p:regular r:id="rId34"/>
     </p:embeddedFont>
     <p:embeddedFont>
-      <p:font typeface="Segoe UI Black" panose="020B0604020202020204" charset="0"/>
-      <p:bold r:id="rId35"/>
-      <p:boldItalic r:id="rId36"/>
+      <p:font typeface="Yoon 윤고딕 520_TT" charset="-127"/>
+      <p:regular r:id="rId35"/>
     </p:embeddedFont>
     <p:embeddedFont>
-      <p:font typeface="맑은 고딕" panose="020B0503020000020004" pitchFamily="50" charset="-127"/>
-      <p:regular r:id="rId37"/>
-      <p:bold r:id="rId38"/>
+      <p:font typeface="맑은 고딕" pitchFamily="50" charset="-127"/>
+      <p:regular r:id="rId36"/>
+      <p:bold r:id="rId37"/>
     </p:embeddedFont>
     <p:embeddedFont>
-      <p:font typeface="HY견고딕" panose="02030600000101010101" pitchFamily="18" charset="-127"/>
-      <p:regular r:id="rId39"/>
+      <p:font typeface="HY강B" charset="-127"/>
+      <p:regular r:id="rId38"/>
     </p:embeddedFont>
   </p:embeddedFontLst>
   <p:defaultTextStyle>
@@ -252,7 +248,7 @@
             <a:fld id="{E2E81C77-485D-47AA-9839-DA75671EEAD7}" type="datetimeFigureOut">
               <a:rPr lang="ko-KR" altLang="en-US" smtClean="0"/>
               <a:pPr/>
-              <a:t>2019-02-13</a:t>
+              <a:t>2022-11-21</a:t>
             </a:fld>
             <a:endParaRPr lang="ko-KR" altLang="en-US"/>
           </a:p>
@@ -951,7 +947,7 @@
             <a:fld id="{3A302466-FE76-40E8-BE5D-598A609EDD2B}" type="datetimeFigureOut">
               <a:rPr lang="ko-KR" altLang="en-US" smtClean="0"/>
               <a:pPr/>
-              <a:t>2019-02-13</a:t>
+              <a:t>2022-11-21</a:t>
             </a:fld>
             <a:endParaRPr lang="ko-KR" altLang="en-US"/>
           </a:p>
@@ -1123,7 +1119,7 @@
             <a:fld id="{3A302466-FE76-40E8-BE5D-598A609EDD2B}" type="datetimeFigureOut">
               <a:rPr lang="ko-KR" altLang="en-US" smtClean="0"/>
               <a:pPr/>
-              <a:t>2019-02-13</a:t>
+              <a:t>2022-11-21</a:t>
             </a:fld>
             <a:endParaRPr lang="ko-KR" altLang="en-US"/>
           </a:p>
@@ -1305,7 +1301,7 @@
             <a:fld id="{3A302466-FE76-40E8-BE5D-598A609EDD2B}" type="datetimeFigureOut">
               <a:rPr lang="ko-KR" altLang="en-US" smtClean="0"/>
               <a:pPr/>
-              <a:t>2019-02-13</a:t>
+              <a:t>2022-11-21</a:t>
             </a:fld>
             <a:endParaRPr lang="ko-KR" altLang="en-US"/>
           </a:p>
@@ -1477,7 +1473,7 @@
             <a:fld id="{3A302466-FE76-40E8-BE5D-598A609EDD2B}" type="datetimeFigureOut">
               <a:rPr lang="ko-KR" altLang="en-US" smtClean="0"/>
               <a:pPr/>
-              <a:t>2019-02-13</a:t>
+              <a:t>2022-11-21</a:t>
             </a:fld>
             <a:endParaRPr lang="ko-KR" altLang="en-US"/>
           </a:p>
@@ -1725,7 +1721,7 @@
             <a:fld id="{3A302466-FE76-40E8-BE5D-598A609EDD2B}" type="datetimeFigureOut">
               <a:rPr lang="ko-KR" altLang="en-US" smtClean="0"/>
               <a:pPr/>
-              <a:t>2019-02-13</a:t>
+              <a:t>2022-11-21</a:t>
             </a:fld>
             <a:endParaRPr lang="ko-KR" altLang="en-US"/>
           </a:p>
@@ -2015,7 +2011,7 @@
             <a:fld id="{3A302466-FE76-40E8-BE5D-598A609EDD2B}" type="datetimeFigureOut">
               <a:rPr lang="ko-KR" altLang="en-US" smtClean="0"/>
               <a:pPr/>
-              <a:t>2019-02-13</a:t>
+              <a:t>2022-11-21</a:t>
             </a:fld>
             <a:endParaRPr lang="ko-KR" altLang="en-US"/>
           </a:p>
@@ -2439,7 +2435,7 @@
             <a:fld id="{3A302466-FE76-40E8-BE5D-598A609EDD2B}" type="datetimeFigureOut">
               <a:rPr lang="ko-KR" altLang="en-US" smtClean="0"/>
               <a:pPr/>
-              <a:t>2019-02-13</a:t>
+              <a:t>2022-11-21</a:t>
             </a:fld>
             <a:endParaRPr lang="ko-KR" altLang="en-US"/>
           </a:p>
@@ -2559,7 +2555,7 @@
             <a:fld id="{3A302466-FE76-40E8-BE5D-598A609EDD2B}" type="datetimeFigureOut">
               <a:rPr lang="ko-KR" altLang="en-US" smtClean="0"/>
               <a:pPr/>
-              <a:t>2019-02-13</a:t>
+              <a:t>2022-11-21</a:t>
             </a:fld>
             <a:endParaRPr lang="ko-KR" altLang="en-US"/>
           </a:p>
@@ -2656,7 +2652,7 @@
             <a:fld id="{3A302466-FE76-40E8-BE5D-598A609EDD2B}" type="datetimeFigureOut">
               <a:rPr lang="ko-KR" altLang="en-US" smtClean="0"/>
               <a:pPr/>
-              <a:t>2019-02-13</a:t>
+              <a:t>2022-11-21</a:t>
             </a:fld>
             <a:endParaRPr lang="ko-KR" altLang="en-US"/>
           </a:p>
@@ -2935,7 +2931,7 @@
             <a:fld id="{3A302466-FE76-40E8-BE5D-598A609EDD2B}" type="datetimeFigureOut">
               <a:rPr lang="ko-KR" altLang="en-US" smtClean="0"/>
               <a:pPr/>
-              <a:t>2019-02-13</a:t>
+              <a:t>2022-11-21</a:t>
             </a:fld>
             <a:endParaRPr lang="ko-KR" altLang="en-US"/>
           </a:p>
@@ -3190,7 +3186,7 @@
             <a:fld id="{3A302466-FE76-40E8-BE5D-598A609EDD2B}" type="datetimeFigureOut">
               <a:rPr lang="ko-KR" altLang="en-US" smtClean="0"/>
               <a:pPr/>
-              <a:t>2019-02-13</a:t>
+              <a:t>2022-11-21</a:t>
             </a:fld>
             <a:endParaRPr lang="ko-KR" altLang="en-US"/>
           </a:p>
@@ -3405,7 +3401,7 @@
             <a:fld id="{3A302466-FE76-40E8-BE5D-598A609EDD2B}" type="datetimeFigureOut">
               <a:rPr lang="ko-KR" altLang="en-US" smtClean="0"/>
               <a:pPr/>
-              <a:t>2019-02-13</a:t>
+              <a:t>2022-11-21</a:t>
             </a:fld>
             <a:endParaRPr lang="ko-KR" altLang="en-US"/>
           </a:p>
@@ -5968,7 +5964,28 @@
                 <a:latin typeface="HY견고딕" panose="02030600000101010101" pitchFamily="18" charset="-127"/>
                 <a:ea typeface="HY견고딕" panose="02030600000101010101" pitchFamily="18" charset="-127"/>
               </a:rPr>
-              <a:t>	person(person* </a:t>
+              <a:t>	person(</a:t>
+            </a:r>
+            <a:r>
+              <a:rPr lang="en-US" altLang="ko-KR" sz="1200" dirty="0" err="1" smtClean="0">
+                <a:latin typeface="HY견고딕" panose="02030600000101010101" pitchFamily="18" charset="-127"/>
+                <a:ea typeface="HY견고딕" panose="02030600000101010101" pitchFamily="18" charset="-127"/>
+              </a:rPr>
+              <a:t>const</a:t>
+            </a:r>
+            <a:r>
+              <a:rPr lang="en-US" altLang="ko-KR" sz="1200" smtClean="0">
+                <a:latin typeface="HY견고딕" panose="02030600000101010101" pitchFamily="18" charset="-127"/>
+                <a:ea typeface="HY견고딕" panose="02030600000101010101" pitchFamily="18" charset="-127"/>
+              </a:rPr>
+              <a:t> person</a:t>
+            </a:r>
+            <a:r>
+              <a:rPr lang="en-US" altLang="ko-KR" sz="1200" dirty="0" smtClean="0">
+                <a:latin typeface="HY견고딕" panose="02030600000101010101" pitchFamily="18" charset="-127"/>
+                <a:ea typeface="HY견고딕" panose="02030600000101010101" pitchFamily="18" charset="-127"/>
+              </a:rPr>
+              <a:t>* </a:t>
             </a:r>
             <a:r>
               <a:rPr lang="en-US" altLang="ko-KR" sz="1200" dirty="0" err="1" smtClean="0">
@@ -6435,14 +6452,14 @@
               <a:t>	person </a:t>
             </a:r>
             <a:r>
-              <a:rPr lang="en-US" altLang="ko-KR" sz="1200">
+              <a:rPr lang="en-US" altLang="ko-KR" sz="1200" dirty="0">
                 <a:latin typeface="HY견고딕" panose="02030600000101010101" pitchFamily="18" charset="-127"/>
                 <a:ea typeface="HY견고딕" panose="02030600000101010101" pitchFamily="18" charset="-127"/>
               </a:rPr>
               <a:t>p2</a:t>
             </a:r>
             <a:r>
-              <a:rPr lang="en-US" altLang="ko-KR" sz="1200" smtClean="0">
+              <a:rPr lang="en-US" altLang="ko-KR" sz="1200" dirty="0" smtClean="0">
                 <a:latin typeface="HY견고딕" panose="02030600000101010101" pitchFamily="18" charset="-127"/>
                 <a:ea typeface="HY견고딕" panose="02030600000101010101" pitchFamily="18" charset="-127"/>
               </a:rPr>
@@ -12090,154 +12107,6 @@
           </a:p>
         </p:txBody>
       </p:sp>
-      <p:grpSp>
-        <p:nvGrpSpPr>
-          <p:cNvPr id="21" name="그룹 20"/>
-          <p:cNvGrpSpPr/>
-          <p:nvPr/>
-        </p:nvGrpSpPr>
-        <p:grpSpPr>
-          <a:xfrm>
-            <a:off x="6515962" y="5496487"/>
-            <a:ext cx="1647098" cy="463171"/>
-            <a:chOff x="4500694" y="5774141"/>
-            <a:chExt cx="1647098" cy="463171"/>
-          </a:xfrm>
-        </p:grpSpPr>
-        <p:sp>
-          <p:nvSpPr>
-            <p:cNvPr id="25" name="실행 단추: 앞으로 또는 다음 24">
-              <a:hlinkClick r:id="rId3" action="ppaction://program" highlightClick="1"/>
-            </p:cNvPr>
-            <p:cNvSpPr/>
-            <p:nvPr/>
-          </p:nvSpPr>
-          <p:spPr>
-            <a:xfrm>
-              <a:off x="4500694" y="5774141"/>
-              <a:ext cx="864096" cy="463171"/>
-            </a:xfrm>
-            <a:prstGeom prst="actionButtonForwardNext">
-              <a:avLst/>
-            </a:prstGeom>
-            <a:solidFill>
-              <a:schemeClr val="tx1"/>
-            </a:solidFill>
-            <a:ln>
-              <a:solidFill>
-                <a:schemeClr val="bg1"/>
-              </a:solidFill>
-            </a:ln>
-            <a:scene3d>
-              <a:camera prst="orthographicFront"/>
-              <a:lightRig rig="threePt" dir="t"/>
-            </a:scene3d>
-            <a:sp3d prstMaterial="metal">
-              <a:bevelT w="139700" h="127000" prst="divot"/>
-            </a:sp3d>
-          </p:spPr>
-          <p:style>
-            <a:lnRef idx="2">
-              <a:schemeClr val="accent1">
-                <a:shade val="50000"/>
-              </a:schemeClr>
-            </a:lnRef>
-            <a:fillRef idx="1">
-              <a:schemeClr val="accent1"/>
-            </a:fillRef>
-            <a:effectRef idx="0">
-              <a:schemeClr val="accent1"/>
-            </a:effectRef>
-            <a:fontRef idx="minor">
-              <a:schemeClr val="lt1"/>
-            </a:fontRef>
-          </p:style>
-          <p:txBody>
-            <a:bodyPr rtlCol="0" anchor="ctr"/>
-            <a:lstStyle/>
-            <a:p>
-              <a:pPr algn="ctr"/>
-              <a:endParaRPr lang="ko-KR" altLang="en-US"/>
-            </a:p>
-          </p:txBody>
-        </p:sp>
-        <p:sp>
-          <p:nvSpPr>
-            <p:cNvPr id="26" name="TextBox 25"/>
-            <p:cNvSpPr txBox="1"/>
-            <p:nvPr/>
-          </p:nvSpPr>
-          <p:spPr>
-            <a:xfrm>
-              <a:off x="5364790" y="5991091"/>
-              <a:ext cx="783002" cy="246221"/>
-            </a:xfrm>
-            <a:prstGeom prst="rect">
-              <a:avLst/>
-            </a:prstGeom>
-            <a:noFill/>
-          </p:spPr>
-          <p:txBody>
-            <a:bodyPr wrap="square" rtlCol="0">
-              <a:spAutoFit/>
-            </a:bodyPr>
-            <a:lstStyle/>
-            <a:p>
-              <a:r>
-                <a:rPr lang="en-US" altLang="ko-KR" sz="1000" dirty="0" smtClean="0">
-                  <a:ln>
-                    <a:solidFill>
-                      <a:schemeClr val="tx1">
-                        <a:alpha val="30000"/>
-                      </a:schemeClr>
-                    </a:solidFill>
-                  </a:ln>
-                  <a:solidFill>
-                    <a:srgbClr val="272123"/>
-                  </a:solidFill>
-                  <a:latin typeface="HY강M" pitchFamily="18" charset="-127"/>
-                  <a:ea typeface="HY강M" pitchFamily="18" charset="-127"/>
-                </a:rPr>
-                <a:t>(</a:t>
-              </a:r>
-              <a:r>
-                <a:rPr lang="ko-KR" altLang="en-US" sz="1000" dirty="0" smtClean="0">
-                  <a:ln>
-                    <a:solidFill>
-                      <a:schemeClr val="tx1">
-                        <a:alpha val="30000"/>
-                      </a:schemeClr>
-                    </a:solidFill>
-                  </a:ln>
-                  <a:solidFill>
-                    <a:srgbClr val="272123"/>
-                  </a:solidFill>
-                  <a:latin typeface="HY강M" pitchFamily="18" charset="-127"/>
-                  <a:ea typeface="HY강M" pitchFamily="18" charset="-127"/>
-                </a:rPr>
-                <a:t>실행파일</a:t>
-              </a:r>
-              <a:r>
-                <a:rPr lang="en-US" altLang="ko-KR" sz="1000" dirty="0" smtClean="0">
-                  <a:ln>
-                    <a:solidFill>
-                      <a:schemeClr val="tx1">
-                        <a:alpha val="30000"/>
-                      </a:schemeClr>
-                    </a:solidFill>
-                  </a:ln>
-                  <a:solidFill>
-                    <a:srgbClr val="272123"/>
-                  </a:solidFill>
-                  <a:latin typeface="HY강M" pitchFamily="18" charset="-127"/>
-                  <a:ea typeface="HY강M" pitchFamily="18" charset="-127"/>
-                </a:rPr>
-                <a:t>)</a:t>
-              </a:r>
-            </a:p>
-          </p:txBody>
-        </p:sp>
-      </p:grpSp>
       <p:sp>
         <p:nvSpPr>
           <p:cNvPr id="28" name="직사각형 27"/>
@@ -13459,154 +13328,6 @@
           </a:p>
         </p:txBody>
       </p:sp>
-      <p:grpSp>
-        <p:nvGrpSpPr>
-          <p:cNvPr id="21" name="그룹 20"/>
-          <p:cNvGrpSpPr/>
-          <p:nvPr/>
-        </p:nvGrpSpPr>
-        <p:grpSpPr>
-          <a:xfrm>
-            <a:off x="6515962" y="4797152"/>
-            <a:ext cx="1647098" cy="463171"/>
-            <a:chOff x="4500694" y="5774141"/>
-            <a:chExt cx="1647098" cy="463171"/>
-          </a:xfrm>
-        </p:grpSpPr>
-        <p:sp>
-          <p:nvSpPr>
-            <p:cNvPr id="25" name="실행 단추: 앞으로 또는 다음 24">
-              <a:hlinkClick r:id="rId3" action="ppaction://program" highlightClick="1"/>
-            </p:cNvPr>
-            <p:cNvSpPr/>
-            <p:nvPr/>
-          </p:nvSpPr>
-          <p:spPr>
-            <a:xfrm>
-              <a:off x="4500694" y="5774141"/>
-              <a:ext cx="864096" cy="463171"/>
-            </a:xfrm>
-            <a:prstGeom prst="actionButtonForwardNext">
-              <a:avLst/>
-            </a:prstGeom>
-            <a:solidFill>
-              <a:schemeClr val="tx1"/>
-            </a:solidFill>
-            <a:ln>
-              <a:solidFill>
-                <a:schemeClr val="bg1"/>
-              </a:solidFill>
-            </a:ln>
-            <a:scene3d>
-              <a:camera prst="orthographicFront"/>
-              <a:lightRig rig="threePt" dir="t"/>
-            </a:scene3d>
-            <a:sp3d prstMaterial="metal">
-              <a:bevelT w="139700" h="127000" prst="divot"/>
-            </a:sp3d>
-          </p:spPr>
-          <p:style>
-            <a:lnRef idx="2">
-              <a:schemeClr val="accent1">
-                <a:shade val="50000"/>
-              </a:schemeClr>
-            </a:lnRef>
-            <a:fillRef idx="1">
-              <a:schemeClr val="accent1"/>
-            </a:fillRef>
-            <a:effectRef idx="0">
-              <a:schemeClr val="accent1"/>
-            </a:effectRef>
-            <a:fontRef idx="minor">
-              <a:schemeClr val="lt1"/>
-            </a:fontRef>
-          </p:style>
-          <p:txBody>
-            <a:bodyPr rtlCol="0" anchor="ctr"/>
-            <a:lstStyle/>
-            <a:p>
-              <a:pPr algn="ctr"/>
-              <a:endParaRPr lang="ko-KR" altLang="en-US"/>
-            </a:p>
-          </p:txBody>
-        </p:sp>
-        <p:sp>
-          <p:nvSpPr>
-            <p:cNvPr id="26" name="TextBox 25"/>
-            <p:cNvSpPr txBox="1"/>
-            <p:nvPr/>
-          </p:nvSpPr>
-          <p:spPr>
-            <a:xfrm>
-              <a:off x="5364790" y="5991091"/>
-              <a:ext cx="783002" cy="246221"/>
-            </a:xfrm>
-            <a:prstGeom prst="rect">
-              <a:avLst/>
-            </a:prstGeom>
-            <a:noFill/>
-          </p:spPr>
-          <p:txBody>
-            <a:bodyPr wrap="square" rtlCol="0">
-              <a:spAutoFit/>
-            </a:bodyPr>
-            <a:lstStyle/>
-            <a:p>
-              <a:r>
-                <a:rPr lang="en-US" altLang="ko-KR" sz="1000" dirty="0" smtClean="0">
-                  <a:ln>
-                    <a:solidFill>
-                      <a:schemeClr val="tx1">
-                        <a:alpha val="30000"/>
-                      </a:schemeClr>
-                    </a:solidFill>
-                  </a:ln>
-                  <a:solidFill>
-                    <a:srgbClr val="272123"/>
-                  </a:solidFill>
-                  <a:latin typeface="HY강M" pitchFamily="18" charset="-127"/>
-                  <a:ea typeface="HY강M" pitchFamily="18" charset="-127"/>
-                </a:rPr>
-                <a:t>(</a:t>
-              </a:r>
-              <a:r>
-                <a:rPr lang="ko-KR" altLang="en-US" sz="1000" dirty="0" smtClean="0">
-                  <a:ln>
-                    <a:solidFill>
-                      <a:schemeClr val="tx1">
-                        <a:alpha val="30000"/>
-                      </a:schemeClr>
-                    </a:solidFill>
-                  </a:ln>
-                  <a:solidFill>
-                    <a:srgbClr val="272123"/>
-                  </a:solidFill>
-                  <a:latin typeface="HY강M" pitchFamily="18" charset="-127"/>
-                  <a:ea typeface="HY강M" pitchFamily="18" charset="-127"/>
-                </a:rPr>
-                <a:t>실행파일</a:t>
-              </a:r>
-              <a:r>
-                <a:rPr lang="en-US" altLang="ko-KR" sz="1000" dirty="0" smtClean="0">
-                  <a:ln>
-                    <a:solidFill>
-                      <a:schemeClr val="tx1">
-                        <a:alpha val="30000"/>
-                      </a:schemeClr>
-                    </a:solidFill>
-                  </a:ln>
-                  <a:solidFill>
-                    <a:srgbClr val="272123"/>
-                  </a:solidFill>
-                  <a:latin typeface="HY강M" pitchFamily="18" charset="-127"/>
-                  <a:ea typeface="HY강M" pitchFamily="18" charset="-127"/>
-                </a:rPr>
-                <a:t>)</a:t>
-              </a:r>
-            </a:p>
-          </p:txBody>
-        </p:sp>
-      </p:grpSp>
       <p:sp>
         <p:nvSpPr>
           <p:cNvPr id="28" name="직사각형 27"/>
@@ -18823,154 +18544,6 @@
           </a:p>
         </p:txBody>
       </p:sp>
-      <p:grpSp>
-        <p:nvGrpSpPr>
-          <p:cNvPr id="21" name="그룹 20"/>
-          <p:cNvGrpSpPr/>
-          <p:nvPr/>
-        </p:nvGrpSpPr>
-        <p:grpSpPr>
-          <a:xfrm>
-            <a:off x="6732240" y="2158117"/>
-            <a:ext cx="1647098" cy="463171"/>
-            <a:chOff x="4500694" y="5774141"/>
-            <a:chExt cx="1647098" cy="463171"/>
-          </a:xfrm>
-        </p:grpSpPr>
-        <p:sp>
-          <p:nvSpPr>
-            <p:cNvPr id="25" name="실행 단추: 앞으로 또는 다음 24">
-              <a:hlinkClick r:id="rId3" action="ppaction://program" highlightClick="1"/>
-            </p:cNvPr>
-            <p:cNvSpPr/>
-            <p:nvPr/>
-          </p:nvSpPr>
-          <p:spPr>
-            <a:xfrm>
-              <a:off x="4500694" y="5774141"/>
-              <a:ext cx="864096" cy="463171"/>
-            </a:xfrm>
-            <a:prstGeom prst="actionButtonForwardNext">
-              <a:avLst/>
-            </a:prstGeom>
-            <a:solidFill>
-              <a:schemeClr val="tx1"/>
-            </a:solidFill>
-            <a:ln>
-              <a:solidFill>
-                <a:schemeClr val="bg1"/>
-              </a:solidFill>
-            </a:ln>
-            <a:scene3d>
-              <a:camera prst="orthographicFront"/>
-              <a:lightRig rig="threePt" dir="t"/>
-            </a:scene3d>
-            <a:sp3d prstMaterial="metal">
-              <a:bevelT w="139700" h="127000" prst="divot"/>
-            </a:sp3d>
-          </p:spPr>
-          <p:style>
-            <a:lnRef idx="2">
-              <a:schemeClr val="accent1">
-                <a:shade val="50000"/>
-              </a:schemeClr>
-            </a:lnRef>
-            <a:fillRef idx="1">
-              <a:schemeClr val="accent1"/>
-            </a:fillRef>
-            <a:effectRef idx="0">
-              <a:schemeClr val="accent1"/>
-            </a:effectRef>
-            <a:fontRef idx="minor">
-              <a:schemeClr val="lt1"/>
-            </a:fontRef>
-          </p:style>
-          <p:txBody>
-            <a:bodyPr rtlCol="0" anchor="ctr"/>
-            <a:lstStyle/>
-            <a:p>
-              <a:pPr algn="ctr"/>
-              <a:endParaRPr lang="ko-KR" altLang="en-US"/>
-            </a:p>
-          </p:txBody>
-        </p:sp>
-        <p:sp>
-          <p:nvSpPr>
-            <p:cNvPr id="26" name="TextBox 25"/>
-            <p:cNvSpPr txBox="1"/>
-            <p:nvPr/>
-          </p:nvSpPr>
-          <p:spPr>
-            <a:xfrm>
-              <a:off x="5364790" y="5991091"/>
-              <a:ext cx="783002" cy="246221"/>
-            </a:xfrm>
-            <a:prstGeom prst="rect">
-              <a:avLst/>
-            </a:prstGeom>
-            <a:noFill/>
-          </p:spPr>
-          <p:txBody>
-            <a:bodyPr wrap="square" rtlCol="0">
-              <a:spAutoFit/>
-            </a:bodyPr>
-            <a:lstStyle/>
-            <a:p>
-              <a:r>
-                <a:rPr lang="en-US" altLang="ko-KR" sz="1000" dirty="0" smtClean="0">
-                  <a:ln>
-                    <a:solidFill>
-                      <a:schemeClr val="tx1">
-                        <a:alpha val="30000"/>
-                      </a:schemeClr>
-                    </a:solidFill>
-                  </a:ln>
-                  <a:solidFill>
-                    <a:srgbClr val="272123"/>
-                  </a:solidFill>
-                  <a:latin typeface="HY강M" pitchFamily="18" charset="-127"/>
-                  <a:ea typeface="HY강M" pitchFamily="18" charset="-127"/>
-                </a:rPr>
-                <a:t>(</a:t>
-              </a:r>
-              <a:r>
-                <a:rPr lang="ko-KR" altLang="en-US" sz="1000" dirty="0" smtClean="0">
-                  <a:ln>
-                    <a:solidFill>
-                      <a:schemeClr val="tx1">
-                        <a:alpha val="30000"/>
-                      </a:schemeClr>
-                    </a:solidFill>
-                  </a:ln>
-                  <a:solidFill>
-                    <a:srgbClr val="272123"/>
-                  </a:solidFill>
-                  <a:latin typeface="HY강M" pitchFamily="18" charset="-127"/>
-                  <a:ea typeface="HY강M" pitchFamily="18" charset="-127"/>
-                </a:rPr>
-                <a:t>실행파일</a:t>
-              </a:r>
-              <a:r>
-                <a:rPr lang="en-US" altLang="ko-KR" sz="1000" dirty="0" smtClean="0">
-                  <a:ln>
-                    <a:solidFill>
-                      <a:schemeClr val="tx1">
-                        <a:alpha val="30000"/>
-                      </a:schemeClr>
-                    </a:solidFill>
-                  </a:ln>
-                  <a:solidFill>
-                    <a:srgbClr val="272123"/>
-                  </a:solidFill>
-                  <a:latin typeface="HY강M" pitchFamily="18" charset="-127"/>
-                  <a:ea typeface="HY강M" pitchFamily="18" charset="-127"/>
-                </a:rPr>
-                <a:t>)</a:t>
-              </a:r>
-            </a:p>
-          </p:txBody>
-        </p:sp>
-      </p:grpSp>
       <p:sp>
         <p:nvSpPr>
           <p:cNvPr id="20" name="TextBox 19"/>
@@ -21959,7 +21532,58 @@
                 <a:latin typeface="HY견고딕" pitchFamily="18" charset="-127"/>
                 <a:ea typeface="HY견고딕" pitchFamily="18" charset="-127"/>
               </a:rPr>
-              <a:t> count = 0;</a:t>
+              <a:t> </a:t>
+            </a:r>
+            <a:r>
+              <a:rPr lang="en-US" altLang="ko-KR" sz="1400" dirty="0" err="1" smtClean="0">
+                <a:ln>
+                  <a:solidFill>
+                    <a:schemeClr val="tx1">
+                      <a:alpha val="30000"/>
+                    </a:schemeClr>
+                  </a:solidFill>
+                </a:ln>
+                <a:solidFill>
+                  <a:srgbClr val="272123"/>
+                </a:solidFill>
+                <a:latin typeface="HY견고딕" pitchFamily="18" charset="-127"/>
+                <a:ea typeface="HY견고딕" pitchFamily="18" charset="-127"/>
+              </a:rPr>
+              <a:t>s_icount</a:t>
+            </a:r>
+            <a:r>
+              <a:rPr lang="en-US" altLang="ko-KR" sz="1400" dirty="0" smtClean="0">
+                <a:ln>
+                  <a:solidFill>
+                    <a:schemeClr val="tx1">
+                      <a:alpha val="30000"/>
+                    </a:schemeClr>
+                  </a:solidFill>
+                </a:ln>
+                <a:solidFill>
+                  <a:srgbClr val="272123"/>
+                </a:solidFill>
+                <a:latin typeface="HY견고딕" pitchFamily="18" charset="-127"/>
+                <a:ea typeface="HY견고딕" pitchFamily="18" charset="-127"/>
+              </a:rPr>
+              <a:t> </a:t>
+            </a:r>
+            <a:r>
+              <a:rPr lang="en-US" altLang="ko-KR" sz="1400" dirty="0">
+                <a:ln>
+                  <a:solidFill>
+                    <a:schemeClr val="tx1">
+                      <a:alpha val="30000"/>
+                    </a:schemeClr>
+                  </a:solidFill>
+                </a:ln>
+                <a:solidFill>
+                  <a:srgbClr val="272123"/>
+                </a:solidFill>
+                <a:latin typeface="HY견고딕" pitchFamily="18" charset="-127"/>
+                <a:ea typeface="HY견고딕" pitchFamily="18" charset="-127"/>
+              </a:rPr>
+              <a:t>= 0;</a:t>
             </a:r>
           </a:p>
           <a:p>
@@ -22030,7 +21654,75 @@
                 <a:latin typeface="HY견고딕" pitchFamily="18" charset="-127"/>
                 <a:ea typeface="HY견고딕" pitchFamily="18" charset="-127"/>
               </a:rPr>
-              <a:t>&lt;&lt; ++count &lt;&lt; </a:t>
+              <a:t>&lt;&lt; </a:t>
+            </a:r>
+            <a:r>
+              <a:rPr lang="en-US" altLang="ko-KR" sz="1400" dirty="0" smtClean="0">
+                <a:ln>
+                  <a:solidFill>
+                    <a:schemeClr val="tx1">
+                      <a:alpha val="30000"/>
+                    </a:schemeClr>
+                  </a:solidFill>
+                </a:ln>
+                <a:solidFill>
+                  <a:srgbClr val="272123"/>
+                </a:solidFill>
+                <a:latin typeface="HY견고딕" pitchFamily="18" charset="-127"/>
+                <a:ea typeface="HY견고딕" pitchFamily="18" charset="-127"/>
+              </a:rPr>
+              <a:t>++</a:t>
+            </a:r>
+            <a:r>
+              <a:rPr lang="en-US" altLang="ko-KR" sz="1400" dirty="0" err="1" smtClean="0">
+                <a:ln>
+                  <a:solidFill>
+                    <a:schemeClr val="tx1">
+                      <a:alpha val="30000"/>
+                    </a:schemeClr>
+                  </a:solidFill>
+                </a:ln>
+                <a:solidFill>
+                  <a:srgbClr val="272123"/>
+                </a:solidFill>
+                <a:latin typeface="HY견고딕" pitchFamily="18" charset="-127"/>
+                <a:ea typeface="HY견고딕" pitchFamily="18" charset="-127"/>
+              </a:rPr>
+              <a:t>s_icount</a:t>
+            </a:r>
+            <a:r>
+              <a:rPr lang="en-US" altLang="ko-KR" sz="1400" dirty="0" smtClean="0">
+                <a:ln>
+                  <a:solidFill>
+                    <a:schemeClr val="tx1">
+                      <a:alpha val="30000"/>
+                    </a:schemeClr>
+                  </a:solidFill>
+                </a:ln>
+                <a:solidFill>
+                  <a:srgbClr val="272123"/>
+                </a:solidFill>
+                <a:latin typeface="HY견고딕" pitchFamily="18" charset="-127"/>
+                <a:ea typeface="HY견고딕" pitchFamily="18" charset="-127"/>
+              </a:rPr>
+              <a:t> </a:t>
+            </a:r>
+            <a:r>
+              <a:rPr lang="en-US" altLang="ko-KR" sz="1400" dirty="0">
+                <a:ln>
+                  <a:solidFill>
+                    <a:schemeClr val="tx1">
+                      <a:alpha val="30000"/>
+                    </a:schemeClr>
+                  </a:solidFill>
+                </a:ln>
+                <a:solidFill>
+                  <a:srgbClr val="272123"/>
+                </a:solidFill>
+                <a:latin typeface="HY견고딕" pitchFamily="18" charset="-127"/>
+                <a:ea typeface="HY견고딕" pitchFamily="18" charset="-127"/>
+              </a:rPr>
+              <a:t>&lt;&lt; </a:t>
             </a:r>
             <a:r>
               <a:rPr lang="en-US" altLang="ko-KR" sz="1400" dirty="0" err="1">
@@ -22399,7 +22091,75 @@
                 <a:latin typeface="HY견고딕" pitchFamily="18" charset="-127"/>
                 <a:ea typeface="HY견고딕" pitchFamily="18" charset="-127"/>
               </a:rPr>
-              <a:t>//count = 20;</a:t>
+              <a:t>//</a:t>
+            </a:r>
+            <a:r>
+              <a:rPr lang="en-US" altLang="ko-KR" sz="1400" dirty="0" err="1" smtClean="0">
+                <a:ln>
+                  <a:solidFill>
+                    <a:schemeClr val="tx1">
+                      <a:alpha val="30000"/>
+                    </a:schemeClr>
+                  </a:solidFill>
+                </a:ln>
+                <a:solidFill>
+                  <a:srgbClr val="272123"/>
+                </a:solidFill>
+                <a:latin typeface="HY견고딕" pitchFamily="18" charset="-127"/>
+                <a:ea typeface="HY견고딕" pitchFamily="18" charset="-127"/>
+              </a:rPr>
+              <a:t>s_i</a:t>
+            </a:r>
+            <a:r>
+              <a:rPr lang="en-US" altLang="ko-KR" sz="1400" dirty="0" err="1" smtClean="0">
+                <a:ln>
+                  <a:solidFill>
+                    <a:schemeClr val="tx1">
+                      <a:alpha val="30000"/>
+                    </a:schemeClr>
+                  </a:solidFill>
+                </a:ln>
+                <a:solidFill>
+                  <a:srgbClr val="272123"/>
+                </a:solidFill>
+                <a:latin typeface="HY견고딕" pitchFamily="18" charset="-127"/>
+                <a:ea typeface="HY견고딕" pitchFamily="18" charset="-127"/>
+              </a:rPr>
+              <a:t>count</a:t>
+            </a:r>
+            <a:r>
+              <a:rPr lang="en-US" altLang="ko-KR" sz="1400" dirty="0" smtClean="0">
+                <a:ln>
+                  <a:solidFill>
+                    <a:schemeClr val="tx1">
+                      <a:alpha val="30000"/>
+                    </a:schemeClr>
+                  </a:solidFill>
+                </a:ln>
+                <a:solidFill>
+                  <a:srgbClr val="272123"/>
+                </a:solidFill>
+                <a:latin typeface="HY견고딕" pitchFamily="18" charset="-127"/>
+                <a:ea typeface="HY견고딕" pitchFamily="18" charset="-127"/>
+              </a:rPr>
+              <a:t> </a:t>
+            </a:r>
+            <a:r>
+              <a:rPr lang="en-US" altLang="ko-KR" sz="1400" dirty="0" smtClean="0">
+                <a:ln>
+                  <a:solidFill>
+                    <a:schemeClr val="tx1">
+                      <a:alpha val="30000"/>
+                    </a:schemeClr>
+                  </a:solidFill>
+                </a:ln>
+                <a:solidFill>
+                  <a:srgbClr val="272123"/>
+                </a:solidFill>
+                <a:latin typeface="HY견고딕" pitchFamily="18" charset="-127"/>
+                <a:ea typeface="HY견고딕" pitchFamily="18" charset="-127"/>
+              </a:rPr>
+              <a:t>= 20;</a:t>
             </a:r>
             <a:endParaRPr lang="en-US" altLang="ko-KR" sz="1400" dirty="0">
               <a:ln>
@@ -24355,7 +24115,7 @@
         <p:spPr>
           <a:xfrm>
             <a:off x="706312" y="1102578"/>
-            <a:ext cx="3790204" cy="5755422"/>
+            <a:ext cx="3790204" cy="5047536"/>
           </a:xfrm>
           <a:prstGeom prst="rect">
             <a:avLst/>
@@ -24370,7 +24130,7 @@
           <a:p>
             <a:pPr marL="285750" indent="-285750"/>
             <a:r>
-              <a:rPr lang="en-US" altLang="ko-KR" sz="1600" dirty="0">
+              <a:rPr lang="en-US" altLang="ko-KR" sz="1400" dirty="0">
                 <a:ln>
                   <a:solidFill>
                     <a:schemeClr val="tx1">
@@ -24387,7 +24147,7 @@
               <a:t>	</a:t>
             </a:r>
             <a:r>
-              <a:rPr lang="en-US" altLang="ko-KR" sz="1600" dirty="0" smtClean="0">
+              <a:rPr lang="en-US" altLang="ko-KR" sz="1400" dirty="0" smtClean="0">
                 <a:ln>
                   <a:solidFill>
                     <a:schemeClr val="tx1">
@@ -24404,7 +24164,7 @@
               <a:t>#include &lt;</a:t>
             </a:r>
             <a:r>
-              <a:rPr lang="en-US" altLang="ko-KR" sz="1600" dirty="0" err="1" smtClean="0">
+              <a:rPr lang="en-US" altLang="ko-KR" sz="1400" dirty="0" err="1" smtClean="0">
                 <a:ln>
                   <a:solidFill>
                     <a:schemeClr val="tx1">
@@ -24421,7 +24181,7 @@
               <a:t>iostream</a:t>
             </a:r>
             <a:r>
-              <a:rPr lang="en-US" altLang="ko-KR" sz="1600" dirty="0" smtClean="0">
+              <a:rPr lang="en-US" altLang="ko-KR" sz="1400" dirty="0" smtClean="0">
                 <a:ln>
                   <a:solidFill>
                     <a:schemeClr val="tx1">
@@ -24441,7 +24201,7 @@
           <a:p>
             <a:pPr marL="285750" indent="-285750"/>
             <a:r>
-              <a:rPr lang="en-US" altLang="ko-KR" sz="1600" dirty="0" smtClean="0">
+              <a:rPr lang="en-US" altLang="ko-KR" sz="1400" dirty="0" smtClean="0">
                 <a:ln>
                   <a:solidFill>
                     <a:schemeClr val="tx1">
@@ -24461,7 +24221,7 @@
           <a:p>
             <a:pPr marL="285750" indent="-285750"/>
             <a:r>
-              <a:rPr lang="en-US" altLang="ko-KR" sz="1600" dirty="0" smtClean="0">
+              <a:rPr lang="en-US" altLang="ko-KR" sz="1400" dirty="0" smtClean="0">
                 <a:ln>
                   <a:solidFill>
                     <a:schemeClr val="tx1">
@@ -24481,7 +24241,7 @@
           <a:p>
             <a:pPr marL="285750" indent="-285750"/>
             <a:r>
-              <a:rPr lang="en-US" altLang="ko-KR" sz="1600" dirty="0" smtClean="0">
+              <a:rPr lang="en-US" altLang="ko-KR" sz="1400" dirty="0" smtClean="0">
                 <a:ln>
                   <a:solidFill>
                     <a:schemeClr val="tx1">
@@ -24501,7 +24261,7 @@
           <a:p>
             <a:pPr marL="285750" indent="-285750"/>
             <a:r>
-              <a:rPr lang="en-US" altLang="ko-KR" sz="1600" dirty="0" smtClean="0">
+              <a:rPr lang="en-US" altLang="ko-KR" sz="1400" dirty="0" smtClean="0">
                 <a:ln>
                   <a:solidFill>
                     <a:schemeClr val="tx1">
@@ -24521,7 +24281,7 @@
           <a:p>
             <a:pPr marL="285750" indent="-285750"/>
             <a:r>
-              <a:rPr lang="en-US" altLang="ko-KR" sz="1600" dirty="0" smtClean="0">
+              <a:rPr lang="en-US" altLang="ko-KR" sz="1400" dirty="0" smtClean="0">
                 <a:ln>
                   <a:solidFill>
                     <a:schemeClr val="tx1">
@@ -24541,7 +24301,7 @@
           <a:p>
             <a:pPr marL="285750" indent="-285750"/>
             <a:r>
-              <a:rPr lang="en-US" altLang="ko-KR" sz="1600" dirty="0" smtClean="0">
+              <a:rPr lang="en-US" altLang="ko-KR" sz="1400" dirty="0" smtClean="0">
                 <a:ln>
                   <a:solidFill>
                     <a:schemeClr val="tx1">
@@ -24558,7 +24318,7 @@
               <a:t>		static </a:t>
             </a:r>
             <a:r>
-              <a:rPr lang="en-US" altLang="ko-KR" sz="1600" dirty="0" err="1" smtClean="0">
+              <a:rPr lang="en-US" altLang="ko-KR" sz="1400" dirty="0" err="1" smtClean="0">
                 <a:ln>
                   <a:solidFill>
                     <a:schemeClr val="tx1">
@@ -24575,27 +24335,61 @@
               <a:t>int</a:t>
             </a:r>
             <a:r>
-              <a:rPr lang="en-US" altLang="ko-KR" sz="1600" dirty="0" smtClean="0">
-                <a:ln>
-                  <a:solidFill>
-                    <a:schemeClr val="tx1">
-                      <a:alpha val="30000"/>
-                    </a:schemeClr>
-                  </a:solidFill>
-                </a:ln>
-                <a:solidFill>
-                  <a:srgbClr val="272123"/>
-                </a:solidFill>
-                <a:latin typeface="HY견고딕" pitchFamily="18" charset="-127"/>
-                <a:ea typeface="HY견고딕" pitchFamily="18" charset="-127"/>
-              </a:rPr>
-              <a:t> count;</a:t>
+              <a:rPr lang="en-US" altLang="ko-KR" sz="1400" dirty="0" smtClean="0">
+                <a:ln>
+                  <a:solidFill>
+                    <a:schemeClr val="tx1">
+                      <a:alpha val="30000"/>
+                    </a:schemeClr>
+                  </a:solidFill>
+                </a:ln>
+                <a:solidFill>
+                  <a:srgbClr val="272123"/>
+                </a:solidFill>
+                <a:latin typeface="HY견고딕" pitchFamily="18" charset="-127"/>
+                <a:ea typeface="HY견고딕" pitchFamily="18" charset="-127"/>
+              </a:rPr>
+              <a:t> </a:t>
+            </a:r>
+            <a:r>
+              <a:rPr lang="en-US" altLang="ko-KR" sz="1400" dirty="0" err="1" smtClean="0">
+                <a:ln>
+                  <a:solidFill>
+                    <a:schemeClr val="tx1">
+                      <a:alpha val="30000"/>
+                    </a:schemeClr>
+                  </a:solidFill>
+                </a:ln>
+                <a:solidFill>
+                  <a:srgbClr val="272123"/>
+                </a:solidFill>
+                <a:latin typeface="HY견고딕" pitchFamily="18" charset="-127"/>
+                <a:ea typeface="HY견고딕" pitchFamily="18" charset="-127"/>
+              </a:rPr>
+              <a:t>s_icount</a:t>
+            </a:r>
+            <a:r>
+              <a:rPr lang="en-US" altLang="ko-KR" sz="1400" dirty="0" smtClean="0">
+                <a:ln>
+                  <a:solidFill>
+                    <a:schemeClr val="tx1">
+                      <a:alpha val="30000"/>
+                    </a:schemeClr>
+                  </a:solidFill>
+                </a:ln>
+                <a:solidFill>
+                  <a:srgbClr val="272123"/>
+                </a:solidFill>
+                <a:latin typeface="HY견고딕" pitchFamily="18" charset="-127"/>
+                <a:ea typeface="HY견고딕" pitchFamily="18" charset="-127"/>
+              </a:rPr>
+              <a:t>;</a:t>
             </a:r>
           </a:p>
           <a:p>
             <a:pPr marL="285750" indent="-285750"/>
             <a:r>
-              <a:rPr lang="en-US" altLang="ko-KR" sz="1600" dirty="0" smtClean="0">
+              <a:rPr lang="en-US" altLang="ko-KR" sz="1400" dirty="0" smtClean="0">
                 <a:ln>
                   <a:solidFill>
                     <a:schemeClr val="tx1">
@@ -24615,7 +24409,7 @@
           <a:p>
             <a:pPr marL="285750" indent="-285750"/>
             <a:r>
-              <a:rPr lang="en-US" altLang="ko-KR" sz="1600" dirty="0" smtClean="0">
+              <a:rPr lang="en-US" altLang="ko-KR" sz="1400" dirty="0" smtClean="0">
                 <a:ln>
                   <a:solidFill>
                     <a:schemeClr val="tx1">
@@ -24635,7 +24429,7 @@
           <a:p>
             <a:pPr marL="285750" indent="-285750"/>
             <a:r>
-              <a:rPr lang="en-US" altLang="ko-KR" sz="1600" dirty="0" smtClean="0">
+              <a:rPr lang="en-US" altLang="ko-KR" sz="1400" dirty="0" smtClean="0">
                 <a:ln>
                   <a:solidFill>
                     <a:schemeClr val="tx1">
@@ -24652,7 +24446,7 @@
               <a:t>	      </a:t>
             </a:r>
             <a:r>
-              <a:rPr lang="en-US" altLang="ko-KR" sz="1600" dirty="0" err="1" smtClean="0">
+              <a:rPr lang="en-US" altLang="ko-KR" sz="1400" dirty="0" err="1" smtClean="0">
                 <a:ln>
                   <a:solidFill>
                     <a:schemeClr val="tx1">
@@ -24669,24 +24463,58 @@
               <a:t>cout</a:t>
             </a:r>
             <a:r>
-              <a:rPr lang="en-US" altLang="ko-KR" sz="1600" dirty="0" smtClean="0">
-                <a:ln>
-                  <a:solidFill>
-                    <a:schemeClr val="tx1">
-                      <a:alpha val="30000"/>
-                    </a:schemeClr>
-                  </a:solidFill>
-                </a:ln>
-                <a:solidFill>
-                  <a:srgbClr val="272123"/>
-                </a:solidFill>
-                <a:latin typeface="HY견고딕" pitchFamily="18" charset="-127"/>
-                <a:ea typeface="HY견고딕" pitchFamily="18" charset="-127"/>
-              </a:rPr>
-              <a:t> &lt;&lt; ++count &lt;&lt; </a:t>
-            </a:r>
-            <a:r>
-              <a:rPr lang="en-US" altLang="ko-KR" sz="1600" dirty="0" err="1" smtClean="0">
+              <a:rPr lang="en-US" altLang="ko-KR" sz="1400" dirty="0" smtClean="0">
+                <a:ln>
+                  <a:solidFill>
+                    <a:schemeClr val="tx1">
+                      <a:alpha val="30000"/>
+                    </a:schemeClr>
+                  </a:solidFill>
+                </a:ln>
+                <a:solidFill>
+                  <a:srgbClr val="272123"/>
+                </a:solidFill>
+                <a:latin typeface="HY견고딕" pitchFamily="18" charset="-127"/>
+                <a:ea typeface="HY견고딕" pitchFamily="18" charset="-127"/>
+              </a:rPr>
+              <a:t> &lt;&lt; ++</a:t>
+            </a:r>
+            <a:r>
+              <a:rPr lang="en-US" altLang="ko-KR" sz="1400" dirty="0" err="1" smtClean="0">
+                <a:ln>
+                  <a:solidFill>
+                    <a:schemeClr val="tx1">
+                      <a:alpha val="30000"/>
+                    </a:schemeClr>
+                  </a:solidFill>
+                </a:ln>
+                <a:solidFill>
+                  <a:srgbClr val="272123"/>
+                </a:solidFill>
+                <a:latin typeface="HY견고딕" pitchFamily="18" charset="-127"/>
+                <a:ea typeface="HY견고딕" pitchFamily="18" charset="-127"/>
+              </a:rPr>
+              <a:t>s_icount</a:t>
+            </a:r>
+            <a:r>
+              <a:rPr lang="en-US" altLang="ko-KR" sz="1400" dirty="0" smtClean="0">
+                <a:ln>
+                  <a:solidFill>
+                    <a:schemeClr val="tx1">
+                      <a:alpha val="30000"/>
+                    </a:schemeClr>
+                  </a:solidFill>
+                </a:ln>
+                <a:solidFill>
+                  <a:srgbClr val="272123"/>
+                </a:solidFill>
+                <a:latin typeface="HY견고딕" pitchFamily="18" charset="-127"/>
+                <a:ea typeface="HY견고딕" pitchFamily="18" charset="-127"/>
+              </a:rPr>
+              <a:t> &lt;&lt; </a:t>
+            </a:r>
+            <a:r>
+              <a:rPr lang="en-US" altLang="ko-KR" sz="1400" dirty="0" err="1" smtClean="0">
                 <a:ln>
                   <a:solidFill>
                     <a:schemeClr val="tx1">
@@ -24703,7 +24531,7 @@
               <a:t>endl</a:t>
             </a:r>
             <a:r>
-              <a:rPr lang="en-US" altLang="ko-KR" sz="1600" dirty="0" smtClean="0">
+              <a:rPr lang="en-US" altLang="ko-KR" sz="1400" dirty="0" smtClean="0">
                 <a:ln>
                   <a:solidFill>
                     <a:schemeClr val="tx1">
@@ -24723,7 +24551,7 @@
           <a:p>
             <a:pPr marL="285750" indent="-285750"/>
             <a:r>
-              <a:rPr lang="en-US" altLang="ko-KR" sz="1600" dirty="0" smtClean="0">
+              <a:rPr lang="en-US" altLang="ko-KR" sz="1400" dirty="0" smtClean="0">
                 <a:ln>
                   <a:solidFill>
                     <a:schemeClr val="tx1">
@@ -24743,7 +24571,7 @@
           <a:p>
             <a:pPr marL="285750" indent="-285750"/>
             <a:r>
-              <a:rPr lang="en-US" altLang="ko-KR" sz="1600" dirty="0" smtClean="0">
+              <a:rPr lang="en-US" altLang="ko-KR" sz="1400" dirty="0" smtClean="0">
                 <a:ln>
                   <a:solidFill>
                     <a:schemeClr val="tx1">
@@ -24763,7 +24591,7 @@
           <a:p>
             <a:pPr marL="285750" indent="-285750"/>
             <a:r>
-              <a:rPr lang="en-US" altLang="ko-KR" sz="1600" dirty="0" smtClean="0">
+              <a:rPr lang="en-US" altLang="ko-KR" sz="1400" dirty="0" smtClean="0">
                 <a:ln>
                   <a:solidFill>
                     <a:schemeClr val="tx1">
@@ -24780,7 +24608,7 @@
               <a:t>	</a:t>
             </a:r>
             <a:r>
-              <a:rPr lang="en-US" altLang="ko-KR" sz="1600" dirty="0" err="1" smtClean="0">
+              <a:rPr lang="en-US" altLang="ko-KR" sz="1400" dirty="0" err="1" smtClean="0">
                 <a:ln>
                   <a:solidFill>
                     <a:schemeClr val="tx1">
@@ -24797,27 +24625,27 @@
               <a:t>int</a:t>
             </a:r>
             <a:r>
-              <a:rPr lang="en-US" altLang="ko-KR" sz="1600" dirty="0" smtClean="0">
-                <a:ln>
-                  <a:solidFill>
-                    <a:schemeClr val="tx1">
-                      <a:alpha val="30000"/>
-                    </a:schemeClr>
-                  </a:solidFill>
-                </a:ln>
-                <a:solidFill>
-                  <a:srgbClr val="272123"/>
-                </a:solidFill>
-                <a:latin typeface="HY견고딕" pitchFamily="18" charset="-127"/>
-                <a:ea typeface="HY견고딕" pitchFamily="18" charset="-127"/>
-              </a:rPr>
-              <a:t> A::count = 0;</a:t>
+              <a:rPr lang="en-US" altLang="ko-KR" sz="1400" dirty="0" smtClean="0">
+                <a:ln>
+                  <a:solidFill>
+                    <a:schemeClr val="tx1">
+                      <a:alpha val="30000"/>
+                    </a:schemeClr>
+                  </a:solidFill>
+                </a:ln>
+                <a:solidFill>
+                  <a:srgbClr val="272123"/>
+                </a:solidFill>
+                <a:latin typeface="HY견고딕" pitchFamily="18" charset="-127"/>
+                <a:ea typeface="HY견고딕" pitchFamily="18" charset="-127"/>
+              </a:rPr>
+              <a:t> A::s_icount = 0;</a:t>
             </a:r>
           </a:p>
           <a:p>
             <a:pPr marL="285750" indent="-285750"/>
             <a:r>
-              <a:rPr lang="en-US" altLang="ko-KR" sz="1600" dirty="0">
+              <a:rPr lang="en-US" altLang="ko-KR" sz="1400" dirty="0">
                 <a:ln>
                   <a:solidFill>
                     <a:schemeClr val="tx1">
@@ -24834,7 +24662,7 @@
               <a:t> </a:t>
             </a:r>
             <a:r>
-              <a:rPr lang="en-US" altLang="ko-KR" sz="1600" dirty="0" smtClean="0">
+              <a:rPr lang="en-US" altLang="ko-KR" sz="1400" dirty="0" smtClean="0">
                 <a:ln>
                   <a:solidFill>
                     <a:schemeClr val="tx1">
@@ -24851,7 +24679,7 @@
               <a:t>	void </a:t>
             </a:r>
             <a:r>
-              <a:rPr lang="en-US" altLang="ko-KR" sz="1600" dirty="0">
+              <a:rPr lang="en-US" altLang="ko-KR" sz="1400" dirty="0">
                 <a:ln>
                   <a:solidFill>
                     <a:schemeClr val="tx1">
@@ -24871,7 +24699,7 @@
           <a:p>
             <a:pPr marL="285750" indent="-285750"/>
             <a:r>
-              <a:rPr lang="en-US" altLang="ko-KR" sz="1600" dirty="0">
+              <a:rPr lang="en-US" altLang="ko-KR" sz="1400" dirty="0">
                 <a:ln>
                   <a:solidFill>
                     <a:schemeClr val="tx1">
@@ -24888,7 +24716,7 @@
               <a:t> </a:t>
             </a:r>
             <a:r>
-              <a:rPr lang="en-US" altLang="ko-KR" sz="1600" dirty="0" smtClean="0">
+              <a:rPr lang="en-US" altLang="ko-KR" sz="1400" dirty="0" smtClean="0">
                 <a:ln>
                   <a:solidFill>
                     <a:schemeClr val="tx1">
@@ -24908,7 +24736,7 @@
           <a:p>
             <a:pPr marL="285750" indent="-285750"/>
             <a:r>
-              <a:rPr lang="en-US" altLang="ko-KR" sz="1600" dirty="0" smtClean="0">
+              <a:rPr lang="en-US" altLang="ko-KR" sz="1400" dirty="0" smtClean="0">
                 <a:ln>
                   <a:solidFill>
                     <a:schemeClr val="tx1">
@@ -24928,7 +24756,7 @@
           <a:p>
             <a:pPr marL="285750" indent="-285750"/>
             <a:r>
-              <a:rPr lang="en-US" altLang="ko-KR" sz="1600" dirty="0" smtClean="0">
+              <a:rPr lang="en-US" altLang="ko-KR" sz="1400" dirty="0" smtClean="0">
                 <a:ln>
                   <a:solidFill>
                     <a:schemeClr val="tx1">
@@ -24945,7 +24773,7 @@
               <a:t>	</a:t>
             </a:r>
             <a:r>
-              <a:rPr lang="en-US" altLang="ko-KR" sz="1600" dirty="0">
+              <a:rPr lang="en-US" altLang="ko-KR" sz="1400" dirty="0">
                 <a:ln>
                   <a:solidFill>
                     <a:schemeClr val="tx1">
@@ -24965,7 +24793,7 @@
           <a:p>
             <a:pPr marL="285750" indent="-285750"/>
             <a:r>
-              <a:rPr lang="en-US" altLang="ko-KR" sz="1600" dirty="0" smtClean="0">
+              <a:rPr lang="en-US" altLang="ko-KR" sz="1400" dirty="0" smtClean="0">
                 <a:ln>
                   <a:solidFill>
                     <a:schemeClr val="tx1">
@@ -24982,7 +24810,7 @@
               <a:t>	</a:t>
             </a:r>
             <a:r>
-              <a:rPr lang="en-US" altLang="ko-KR" sz="1600" dirty="0">
+              <a:rPr lang="en-US" altLang="ko-KR" sz="1400" dirty="0">
                 <a:ln>
                   <a:solidFill>
                     <a:schemeClr val="tx1">
@@ -24999,7 +24827,7 @@
               <a:t>	A a3</a:t>
             </a:r>
             <a:r>
-              <a:rPr lang="en-US" altLang="ko-KR" sz="1600" dirty="0" smtClean="0">
+              <a:rPr lang="en-US" altLang="ko-KR" sz="1400" dirty="0" smtClean="0">
                 <a:ln>
                   <a:solidFill>
                     <a:schemeClr val="tx1">
@@ -25015,7 +24843,7 @@
               </a:rPr>
               <a:t>;</a:t>
             </a:r>
-            <a:endParaRPr lang="en-US" altLang="ko-KR" sz="1600" dirty="0">
+            <a:endParaRPr lang="en-US" altLang="ko-KR" sz="1400" dirty="0">
               <a:ln>
                 <a:solidFill>
                   <a:schemeClr val="tx1">
@@ -25033,24 +24861,75 @@
           <a:p>
             <a:pPr marL="285750" indent="-285750"/>
             <a:r>
-              <a:rPr lang="en-US" altLang="ko-KR" sz="1600" dirty="0">
-                <a:ln>
-                  <a:solidFill>
-                    <a:schemeClr val="tx1">
-                      <a:alpha val="30000"/>
-                    </a:schemeClr>
-                  </a:solidFill>
-                </a:ln>
-                <a:solidFill>
-                  <a:srgbClr val="272123"/>
-                </a:solidFill>
-                <a:latin typeface="HY견고딕" pitchFamily="18" charset="-127"/>
-                <a:ea typeface="HY견고딕" pitchFamily="18" charset="-127"/>
-              </a:rPr>
-              <a:t>		A::count = </a:t>
-            </a:r>
-            <a:r>
-              <a:rPr lang="en-US" altLang="ko-KR" sz="1600" dirty="0" smtClean="0">
+              <a:rPr lang="en-US" altLang="ko-KR" sz="1400" dirty="0">
+                <a:ln>
+                  <a:solidFill>
+                    <a:schemeClr val="tx1">
+                      <a:alpha val="30000"/>
+                    </a:schemeClr>
+                  </a:solidFill>
+                </a:ln>
+                <a:solidFill>
+                  <a:srgbClr val="272123"/>
+                </a:solidFill>
+                <a:latin typeface="HY견고딕" pitchFamily="18" charset="-127"/>
+                <a:ea typeface="HY견고딕" pitchFamily="18" charset="-127"/>
+              </a:rPr>
+              <a:t>		</a:t>
+            </a:r>
+            <a:r>
+              <a:rPr lang="en-US" altLang="ko-KR" sz="1400">
+                <a:ln>
+                  <a:solidFill>
+                    <a:schemeClr val="tx1">
+                      <a:alpha val="30000"/>
+                    </a:schemeClr>
+                  </a:solidFill>
+                </a:ln>
+                <a:solidFill>
+                  <a:srgbClr val="272123"/>
+                </a:solidFill>
+                <a:latin typeface="HY견고딕" pitchFamily="18" charset="-127"/>
+                <a:ea typeface="HY견고딕" pitchFamily="18" charset="-127"/>
+              </a:rPr>
+              <a:t>A</a:t>
+            </a:r>
+            <a:r>
+              <a:rPr lang="en-US" altLang="ko-KR" sz="1400" smtClean="0">
+                <a:ln>
+                  <a:solidFill>
+                    <a:schemeClr val="tx1">
+                      <a:alpha val="30000"/>
+                    </a:schemeClr>
+                  </a:solidFill>
+                </a:ln>
+                <a:solidFill>
+                  <a:srgbClr val="272123"/>
+                </a:solidFill>
+                <a:latin typeface="HY견고딕" pitchFamily="18" charset="-127"/>
+                <a:ea typeface="HY견고딕" pitchFamily="18" charset="-127"/>
+              </a:rPr>
+              <a:t>::s_icount </a:t>
+            </a:r>
+            <a:r>
+              <a:rPr lang="en-US" altLang="ko-KR" sz="1400" dirty="0">
+                <a:ln>
+                  <a:solidFill>
+                    <a:schemeClr val="tx1">
+                      <a:alpha val="30000"/>
+                    </a:schemeClr>
+                  </a:solidFill>
+                </a:ln>
+                <a:solidFill>
+                  <a:srgbClr val="272123"/>
+                </a:solidFill>
+                <a:latin typeface="HY견고딕" pitchFamily="18" charset="-127"/>
+                <a:ea typeface="HY견고딕" pitchFamily="18" charset="-127"/>
+              </a:rPr>
+              <a:t>= </a:t>
+            </a:r>
+            <a:r>
+              <a:rPr lang="en-US" altLang="ko-KR" sz="1400" dirty="0" smtClean="0">
                 <a:ln>
                   <a:solidFill>
                     <a:schemeClr val="tx1">
@@ -25066,7 +24945,7 @@
               </a:rPr>
               <a:t>10;</a:t>
             </a:r>
-            <a:endParaRPr lang="en-US" altLang="ko-KR" sz="1600" dirty="0">
+            <a:endParaRPr lang="en-US" altLang="ko-KR" sz="1400" dirty="0">
               <a:ln>
                 <a:solidFill>
                   <a:schemeClr val="tx1">
@@ -25084,7 +24963,7 @@
           <a:p>
             <a:pPr marL="285750" indent="-285750"/>
             <a:r>
-              <a:rPr lang="en-US" altLang="ko-KR" sz="1600" dirty="0" smtClean="0">
+              <a:rPr lang="en-US" altLang="ko-KR" sz="1400" dirty="0" smtClean="0">
                 <a:ln>
                   <a:solidFill>
                     <a:schemeClr val="tx1">
@@ -25101,7 +24980,7 @@
               <a:t>	</a:t>
             </a:r>
             <a:r>
-              <a:rPr lang="en-US" altLang="ko-KR" sz="1600" dirty="0">
+              <a:rPr lang="en-US" altLang="ko-KR" sz="1400" dirty="0">
                 <a:ln>
                   <a:solidFill>
                     <a:schemeClr val="tx1">
@@ -25121,7 +25000,7 @@
           <a:p>
             <a:pPr marL="285750" indent="-285750"/>
             <a:r>
-              <a:rPr lang="en-US" altLang="ko-KR" sz="1600" dirty="0" smtClean="0">
+              <a:rPr lang="en-US" altLang="ko-KR" sz="1400" dirty="0" smtClean="0">
                 <a:ln>
                   <a:solidFill>
                     <a:schemeClr val="tx1">
@@ -25138,7 +25017,7 @@
               <a:t>	</a:t>
             </a:r>
             <a:r>
-              <a:rPr lang="en-US" altLang="ko-KR" sz="1600" dirty="0">
+              <a:rPr lang="en-US" altLang="ko-KR" sz="1400" dirty="0">
                 <a:ln>
                   <a:solidFill>
                     <a:schemeClr val="tx1">
@@ -25158,7 +25037,7 @@
           <a:p>
             <a:pPr marL="285750" indent="-285750"/>
             <a:r>
-              <a:rPr lang="en-US" altLang="ko-KR" sz="1600" dirty="0" smtClean="0">
+              <a:rPr lang="en-US" altLang="ko-KR" sz="1400" dirty="0" smtClean="0">
                 <a:ln>
                   <a:solidFill>
                     <a:schemeClr val="tx1">
@@ -25175,7 +25054,7 @@
               <a:t>	 </a:t>
             </a:r>
             <a:r>
-              <a:rPr lang="en-US" altLang="ko-KR" sz="1600" dirty="0">
+              <a:rPr lang="en-US" altLang="ko-KR" sz="1400" dirty="0">
                 <a:ln>
                   <a:solidFill>
                     <a:schemeClr val="tx1">
@@ -25194,7 +25073,7 @@
           </a:p>
           <a:p>
             <a:pPr marL="285750" indent="-285750"/>
-            <a:endParaRPr lang="en-US" altLang="ko-KR" sz="1600" dirty="0" smtClean="0">
+            <a:endParaRPr lang="en-US" altLang="ko-KR" sz="1400" dirty="0" smtClean="0">
               <a:ln>
                 <a:solidFill>
                   <a:schemeClr val="tx1">
@@ -27023,7 +26902,7 @@
         <p:spPr>
           <a:xfrm>
             <a:off x="787158" y="1092452"/>
-            <a:ext cx="7169218" cy="6001643"/>
+            <a:ext cx="7169218" cy="5493812"/>
           </a:xfrm>
           <a:prstGeom prst="rect">
             <a:avLst/>
@@ -27037,21 +26916,21 @@
           <a:lstStyle/>
           <a:p>
             <a:r>
-              <a:rPr lang="en-US" altLang="ko-KR" sz="1200" dirty="0">
+              <a:rPr lang="en-US" altLang="ko-KR" sz="900" dirty="0">
                 <a:latin typeface="HY견고딕" pitchFamily="18" charset="-127"/>
                 <a:ea typeface="HY견고딕" pitchFamily="18" charset="-127"/>
               </a:rPr>
               <a:t>#include &lt;</a:t>
             </a:r>
             <a:r>
-              <a:rPr lang="en-US" altLang="ko-KR" sz="1200" dirty="0" err="1">
+              <a:rPr lang="en-US" altLang="ko-KR" sz="900" dirty="0" err="1">
                 <a:latin typeface="HY견고딕" pitchFamily="18" charset="-127"/>
                 <a:ea typeface="HY견고딕" pitchFamily="18" charset="-127"/>
               </a:rPr>
               <a:t>iostream</a:t>
             </a:r>
             <a:r>
-              <a:rPr lang="en-US" altLang="ko-KR" sz="1200" dirty="0">
+              <a:rPr lang="en-US" altLang="ko-KR" sz="900" dirty="0">
                 <a:latin typeface="HY견고딕" pitchFamily="18" charset="-127"/>
                 <a:ea typeface="HY견고딕" pitchFamily="18" charset="-127"/>
               </a:rPr>
@@ -27060,21 +26939,21 @@
           </a:p>
           <a:p>
             <a:r>
-              <a:rPr lang="en-US" altLang="ko-KR" sz="1200" dirty="0">
+              <a:rPr lang="en-US" altLang="ko-KR" sz="900" dirty="0">
                 <a:latin typeface="HY견고딕" pitchFamily="18" charset="-127"/>
                 <a:ea typeface="HY견고딕" pitchFamily="18" charset="-127"/>
               </a:rPr>
               <a:t>using namespace </a:t>
             </a:r>
             <a:r>
-              <a:rPr lang="en-US" altLang="ko-KR" sz="1200" dirty="0" err="1">
+              <a:rPr lang="en-US" altLang="ko-KR" sz="900" dirty="0" err="1">
                 <a:latin typeface="HY견고딕" pitchFamily="18" charset="-127"/>
                 <a:ea typeface="HY견고딕" pitchFamily="18" charset="-127"/>
               </a:rPr>
               <a:t>std</a:t>
             </a:r>
             <a:r>
-              <a:rPr lang="en-US" altLang="ko-KR" sz="1200" dirty="0">
+              <a:rPr lang="en-US" altLang="ko-KR" sz="900" dirty="0">
                 <a:latin typeface="HY견고딕" pitchFamily="18" charset="-127"/>
                 <a:ea typeface="HY견고딕" pitchFamily="18" charset="-127"/>
               </a:rPr>
@@ -27082,14 +26961,14 @@
             </a:r>
           </a:p>
           <a:p>
-            <a:endParaRPr lang="ko-KR" altLang="en-US" sz="1200" dirty="0">
+            <a:endParaRPr lang="ko-KR" altLang="en-US" sz="900" dirty="0">
               <a:latin typeface="HY견고딕" pitchFamily="18" charset="-127"/>
               <a:ea typeface="HY견고딕" pitchFamily="18" charset="-127"/>
             </a:endParaRPr>
           </a:p>
           <a:p>
             <a:r>
-              <a:rPr lang="en-US" altLang="ko-KR" sz="1200" dirty="0">
+              <a:rPr lang="en-US" altLang="ko-KR" sz="900" dirty="0">
                 <a:latin typeface="HY견고딕" pitchFamily="18" charset="-127"/>
                 <a:ea typeface="HY견고딕" pitchFamily="18" charset="-127"/>
               </a:rPr>
@@ -27098,7 +26977,7 @@
           </a:p>
           <a:p>
             <a:r>
-              <a:rPr lang="en-US" altLang="ko-KR" sz="1200" dirty="0">
+              <a:rPr lang="en-US" altLang="ko-KR" sz="900" dirty="0">
                 <a:latin typeface="HY견고딕" pitchFamily="18" charset="-127"/>
                 <a:ea typeface="HY견고딕" pitchFamily="18" charset="-127"/>
               </a:rPr>
@@ -27107,14 +26986,60 @@
           </a:p>
           <a:p>
             <a:r>
-              <a:rPr lang="en-US" altLang="ko-KR" sz="1200" dirty="0" smtClean="0">
-                <a:latin typeface="HY견고딕" pitchFamily="18" charset="-127"/>
-                <a:ea typeface="HY견고딕" pitchFamily="18" charset="-127"/>
-              </a:rPr>
-              <a:t>	private</a:t>
-            </a:r>
-            <a:r>
-              <a:rPr lang="en-US" altLang="ko-KR" sz="1200" dirty="0">
+              <a:rPr lang="en-US" altLang="ko-KR" sz="900" dirty="0">
+                <a:latin typeface="HY견고딕" pitchFamily="18" charset="-127"/>
+                <a:ea typeface="HY견고딕" pitchFamily="18" charset="-127"/>
+              </a:rPr>
+              <a:t>private:</a:t>
+            </a:r>
+          </a:p>
+          <a:p>
+            <a:r>
+              <a:rPr lang="en-US" altLang="ko-KR" sz="900" dirty="0" smtClean="0">
+                <a:latin typeface="HY견고딕" pitchFamily="18" charset="-127"/>
+                <a:ea typeface="HY견고딕" pitchFamily="18" charset="-127"/>
+              </a:rPr>
+              <a:t>	</a:t>
+            </a:r>
+            <a:r>
+              <a:rPr lang="en-US" altLang="ko-KR" sz="900" dirty="0" err="1" smtClean="0">
+                <a:latin typeface="HY견고딕" pitchFamily="18" charset="-127"/>
+                <a:ea typeface="HY견고딕" pitchFamily="18" charset="-127"/>
+              </a:rPr>
+              <a:t>int</a:t>
+            </a:r>
+            <a:r>
+              <a:rPr lang="en-US" altLang="ko-KR" sz="900" dirty="0" smtClean="0">
+                <a:latin typeface="HY견고딕" pitchFamily="18" charset="-127"/>
+                <a:ea typeface="HY견고딕" pitchFamily="18" charset="-127"/>
+              </a:rPr>
+              <a:t> </a:t>
+            </a:r>
+            <a:r>
+              <a:rPr lang="en-US" altLang="ko-KR" sz="900" dirty="0" err="1">
+                <a:latin typeface="HY견고딕" pitchFamily="18" charset="-127"/>
+                <a:ea typeface="HY견고딕" pitchFamily="18" charset="-127"/>
+              </a:rPr>
+              <a:t>m_iNum</a:t>
+            </a:r>
+            <a:r>
+              <a:rPr lang="en-US" altLang="ko-KR" sz="900" dirty="0">
+                <a:latin typeface="HY견고딕" pitchFamily="18" charset="-127"/>
+                <a:ea typeface="HY견고딕" pitchFamily="18" charset="-127"/>
+              </a:rPr>
+              <a:t>;</a:t>
+            </a:r>
+          </a:p>
+          <a:p>
+            <a:r>
+              <a:rPr lang="en-US" altLang="ko-KR" sz="900" dirty="0" smtClean="0">
+                <a:latin typeface="HY견고딕" pitchFamily="18" charset="-127"/>
+                <a:ea typeface="HY견고딕" pitchFamily="18" charset="-127"/>
+              </a:rPr>
+              <a:t>public</a:t>
+            </a:r>
+            <a:r>
+              <a:rPr lang="en-US" altLang="ko-KR" sz="900" dirty="0">
                 <a:latin typeface="HY견고딕" pitchFamily="18" charset="-127"/>
                 <a:ea typeface="HY견고딕" pitchFamily="18" charset="-127"/>
               </a:rPr>
@@ -27123,177 +27048,136 @@
           </a:p>
           <a:p>
             <a:r>
-              <a:rPr lang="en-US" altLang="ko-KR" sz="1200" dirty="0" smtClean="0">
-                <a:latin typeface="HY견고딕" pitchFamily="18" charset="-127"/>
-                <a:ea typeface="HY견고딕" pitchFamily="18" charset="-127"/>
-              </a:rPr>
-              <a:t>		</a:t>
-            </a:r>
-            <a:r>
-              <a:rPr lang="en-US" altLang="ko-KR" sz="1200" dirty="0" err="1" smtClean="0">
+              <a:rPr lang="en-US" altLang="ko-KR" sz="900" dirty="0" smtClean="0">
+                <a:latin typeface="HY견고딕" pitchFamily="18" charset="-127"/>
+                <a:ea typeface="HY견고딕" pitchFamily="18" charset="-127"/>
+              </a:rPr>
+              <a:t>	static </a:t>
+            </a:r>
+            <a:r>
+              <a:rPr lang="en-US" altLang="ko-KR" sz="900" dirty="0" err="1">
                 <a:latin typeface="HY견고딕" pitchFamily="18" charset="-127"/>
                 <a:ea typeface="HY견고딕" pitchFamily="18" charset="-127"/>
               </a:rPr>
               <a:t>int</a:t>
             </a:r>
             <a:r>
-              <a:rPr lang="en-US" altLang="ko-KR" sz="1200" dirty="0" smtClean="0">
+              <a:rPr lang="en-US" altLang="ko-KR" sz="900" dirty="0">
                 <a:latin typeface="HY견고딕" pitchFamily="18" charset="-127"/>
                 <a:ea typeface="HY견고딕" pitchFamily="18" charset="-127"/>
               </a:rPr>
               <a:t> </a:t>
             </a:r>
             <a:r>
-              <a:rPr lang="en-US" altLang="ko-KR" sz="1200" dirty="0" err="1">
+              <a:rPr lang="en-US" altLang="ko-KR" sz="900" dirty="0" err="1">
+                <a:latin typeface="HY견고딕" pitchFamily="18" charset="-127"/>
+                <a:ea typeface="HY견고딕" pitchFamily="18" charset="-127"/>
+              </a:rPr>
+              <a:t>s_icount</a:t>
+            </a:r>
+            <a:r>
+              <a:rPr lang="en-US" altLang="ko-KR" sz="900" dirty="0">
+                <a:latin typeface="HY견고딕" pitchFamily="18" charset="-127"/>
+                <a:ea typeface="HY견고딕" pitchFamily="18" charset="-127"/>
+              </a:rPr>
+              <a:t>;</a:t>
+            </a:r>
+          </a:p>
+          <a:p>
+            <a:r>
+              <a:rPr lang="en-US" altLang="ko-KR" sz="900" dirty="0" smtClean="0">
+                <a:latin typeface="HY견고딕" pitchFamily="18" charset="-127"/>
+                <a:ea typeface="HY견고딕" pitchFamily="18" charset="-127"/>
+              </a:rPr>
+              <a:t>	A(</a:t>
+            </a:r>
+            <a:r>
+              <a:rPr lang="en-US" altLang="ko-KR" sz="900" dirty="0" err="1" smtClean="0">
+                <a:latin typeface="HY견고딕" pitchFamily="18" charset="-127"/>
+                <a:ea typeface="HY견고딕" pitchFamily="18" charset="-127"/>
+              </a:rPr>
+              <a:t>int</a:t>
+            </a:r>
+            <a:r>
+              <a:rPr lang="en-US" altLang="ko-KR" sz="900" dirty="0" smtClean="0">
+                <a:latin typeface="HY견고딕" pitchFamily="18" charset="-127"/>
+                <a:ea typeface="HY견고딕" pitchFamily="18" charset="-127"/>
+              </a:rPr>
+              <a:t> </a:t>
+            </a:r>
+            <a:r>
+              <a:rPr lang="en-US" altLang="ko-KR" sz="900" dirty="0">
+                <a:latin typeface="HY견고딕" pitchFamily="18" charset="-127"/>
+                <a:ea typeface="HY견고딕" pitchFamily="18" charset="-127"/>
+              </a:rPr>
+              <a:t>_</a:t>
+            </a:r>
+            <a:r>
+              <a:rPr lang="en-US" altLang="ko-KR" sz="900" dirty="0" err="1">
                 <a:latin typeface="HY견고딕" pitchFamily="18" charset="-127"/>
                 <a:ea typeface="HY견고딕" pitchFamily="18" charset="-127"/>
               </a:rPr>
               <a:t>Num</a:t>
             </a:r>
             <a:r>
-              <a:rPr lang="en-US" altLang="ko-KR" sz="1200" dirty="0">
-                <a:latin typeface="HY견고딕" pitchFamily="18" charset="-127"/>
-                <a:ea typeface="HY견고딕" pitchFamily="18" charset="-127"/>
-              </a:rPr>
-              <a:t>;</a:t>
-            </a:r>
-          </a:p>
-          <a:p>
-            <a:r>
-              <a:rPr lang="en-US" altLang="ko-KR" sz="1200" dirty="0" smtClean="0">
-                <a:latin typeface="HY견고딕" pitchFamily="18" charset="-127"/>
-                <a:ea typeface="HY견고딕" pitchFamily="18" charset="-127"/>
-              </a:rPr>
-              <a:t>	public</a:t>
-            </a:r>
-            <a:r>
-              <a:rPr lang="en-US" altLang="ko-KR" sz="1200" dirty="0">
-                <a:latin typeface="HY견고딕" pitchFamily="18" charset="-127"/>
-                <a:ea typeface="HY견고딕" pitchFamily="18" charset="-127"/>
-              </a:rPr>
-              <a:t>:</a:t>
-            </a:r>
-          </a:p>
-          <a:p>
-            <a:r>
-              <a:rPr lang="en-US" altLang="ko-KR" sz="1200" dirty="0" smtClean="0">
-                <a:latin typeface="HY견고딕" pitchFamily="18" charset="-127"/>
-                <a:ea typeface="HY견고딕" pitchFamily="18" charset="-127"/>
-              </a:rPr>
-              <a:t>		static </a:t>
-            </a:r>
-            <a:r>
-              <a:rPr lang="en-US" altLang="ko-KR" sz="1200" dirty="0" err="1">
-                <a:latin typeface="HY견고딕" pitchFamily="18" charset="-127"/>
-                <a:ea typeface="HY견고딕" pitchFamily="18" charset="-127"/>
-              </a:rPr>
-              <a:t>int</a:t>
-            </a:r>
-            <a:r>
-              <a:rPr lang="en-US" altLang="ko-KR" sz="1200" dirty="0">
-                <a:latin typeface="HY견고딕" pitchFamily="18" charset="-127"/>
-                <a:ea typeface="HY견고딕" pitchFamily="18" charset="-127"/>
-              </a:rPr>
-              <a:t> count;</a:t>
-            </a:r>
-          </a:p>
-          <a:p>
-            <a:r>
-              <a:rPr lang="en-US" altLang="ko-KR" sz="1200" dirty="0" smtClean="0">
-                <a:latin typeface="HY견고딕" pitchFamily="18" charset="-127"/>
-                <a:ea typeface="HY견고딕" pitchFamily="18" charset="-127"/>
-              </a:rPr>
-              <a:t>		A</a:t>
-            </a:r>
-            <a:r>
-              <a:rPr lang="en-US" altLang="ko-KR" sz="1200" dirty="0">
-                <a:latin typeface="HY견고딕" pitchFamily="18" charset="-127"/>
-                <a:ea typeface="HY견고딕" pitchFamily="18" charset="-127"/>
-              </a:rPr>
-              <a:t>()</a:t>
-            </a:r>
-          </a:p>
-          <a:p>
-            <a:r>
-              <a:rPr lang="en-US" altLang="ko-KR" sz="1200" dirty="0" smtClean="0">
-                <a:latin typeface="HY견고딕" pitchFamily="18" charset="-127"/>
-                <a:ea typeface="HY견고딕" pitchFamily="18" charset="-127"/>
-              </a:rPr>
-              <a:t>		{</a:t>
-            </a:r>
-            <a:endParaRPr lang="en-US" altLang="ko-KR" sz="1200" dirty="0">
+              <a:rPr lang="en-US" altLang="ko-KR" sz="900" dirty="0">
+                <a:latin typeface="HY견고딕" pitchFamily="18" charset="-127"/>
+                <a:ea typeface="HY견고딕" pitchFamily="18" charset="-127"/>
+              </a:rPr>
+              <a:t>)</a:t>
+            </a:r>
+          </a:p>
+          <a:p>
+            <a:r>
+              <a:rPr lang="en-US" altLang="ko-KR" sz="900" dirty="0" smtClean="0">
+                <a:latin typeface="HY견고딕" pitchFamily="18" charset="-127"/>
+                <a:ea typeface="HY견고딕" pitchFamily="18" charset="-127"/>
+              </a:rPr>
+              <a:t>	{</a:t>
+            </a:r>
+            <a:endParaRPr lang="en-US" altLang="ko-KR" sz="900" dirty="0">
               <a:latin typeface="HY견고딕" pitchFamily="18" charset="-127"/>
               <a:ea typeface="HY견고딕" pitchFamily="18" charset="-127"/>
             </a:endParaRPr>
           </a:p>
           <a:p>
             <a:r>
-              <a:rPr lang="en-US" altLang="ko-KR" sz="1200" dirty="0" smtClean="0">
-                <a:latin typeface="HY견고딕" pitchFamily="18" charset="-127"/>
-                <a:ea typeface="HY견고딕" pitchFamily="18" charset="-127"/>
-              </a:rPr>
-              <a:t>			</a:t>
-            </a:r>
-            <a:r>
-              <a:rPr lang="en-US" altLang="ko-KR" sz="1200" dirty="0" err="1" smtClean="0">
+              <a:rPr lang="en-US" altLang="ko-KR" sz="900" dirty="0" smtClean="0">
+                <a:latin typeface="HY견고딕" pitchFamily="18" charset="-127"/>
+                <a:ea typeface="HY견고딕" pitchFamily="18" charset="-127"/>
+              </a:rPr>
+              <a:t>		</a:t>
+            </a:r>
+            <a:r>
+              <a:rPr lang="en-US" altLang="ko-KR" sz="900" dirty="0" err="1" smtClean="0">
+                <a:latin typeface="HY견고딕" pitchFamily="18" charset="-127"/>
+                <a:ea typeface="HY견고딕" pitchFamily="18" charset="-127"/>
+              </a:rPr>
+              <a:t>m_iNum</a:t>
+            </a:r>
+            <a:r>
+              <a:rPr lang="en-US" altLang="ko-KR" sz="900" dirty="0" smtClean="0">
+                <a:latin typeface="HY견고딕" pitchFamily="18" charset="-127"/>
+                <a:ea typeface="HY견고딕" pitchFamily="18" charset="-127"/>
+              </a:rPr>
+              <a:t> </a:t>
+            </a:r>
+            <a:r>
+              <a:rPr lang="en-US" altLang="ko-KR" sz="900" dirty="0">
+                <a:latin typeface="HY견고딕" pitchFamily="18" charset="-127"/>
+                <a:ea typeface="HY견고딕" pitchFamily="18" charset="-127"/>
+              </a:rPr>
+              <a:t>= _</a:t>
+            </a:r>
+            <a:r>
+              <a:rPr lang="en-US" altLang="ko-KR" sz="900" dirty="0" err="1">
                 <a:latin typeface="HY견고딕" pitchFamily="18" charset="-127"/>
                 <a:ea typeface="HY견고딕" pitchFamily="18" charset="-127"/>
               </a:rPr>
               <a:t>Num</a:t>
             </a:r>
             <a:r>
-              <a:rPr lang="en-US" altLang="ko-KR" sz="1200" dirty="0" smtClean="0">
-                <a:latin typeface="HY견고딕" pitchFamily="18" charset="-127"/>
-                <a:ea typeface="HY견고딕" pitchFamily="18" charset="-127"/>
-              </a:rPr>
-              <a:t> </a:t>
-            </a:r>
-            <a:r>
-              <a:rPr lang="en-US" altLang="ko-KR" sz="1200" dirty="0">
-                <a:latin typeface="HY견고딕" pitchFamily="18" charset="-127"/>
-                <a:ea typeface="HY견고딕" pitchFamily="18" charset="-127"/>
-              </a:rPr>
-              <a:t>= 10;</a:t>
-            </a:r>
-          </a:p>
-          <a:p>
-            <a:r>
-              <a:rPr lang="en-US" altLang="ko-KR" sz="1200" dirty="0" smtClean="0">
-                <a:latin typeface="HY견고딕" pitchFamily="18" charset="-127"/>
-                <a:ea typeface="HY견고딕" pitchFamily="18" charset="-127"/>
-              </a:rPr>
-              <a:t>			</a:t>
-            </a:r>
-            <a:r>
-              <a:rPr lang="en-US" altLang="ko-KR" sz="1200" dirty="0" err="1" smtClean="0">
-                <a:latin typeface="HY견고딕" pitchFamily="18" charset="-127"/>
-                <a:ea typeface="HY견고딕" pitchFamily="18" charset="-127"/>
-              </a:rPr>
-              <a:t>cout</a:t>
-            </a:r>
-            <a:r>
-              <a:rPr lang="en-US" altLang="ko-KR" sz="1200" dirty="0" smtClean="0">
-                <a:latin typeface="HY견고딕" pitchFamily="18" charset="-127"/>
-                <a:ea typeface="HY견고딕" pitchFamily="18" charset="-127"/>
-              </a:rPr>
-              <a:t> </a:t>
-            </a:r>
-            <a:r>
-              <a:rPr lang="en-US" altLang="ko-KR" sz="1200" dirty="0">
-                <a:latin typeface="HY견고딕" pitchFamily="18" charset="-127"/>
-                <a:ea typeface="HY견고딕" pitchFamily="18" charset="-127"/>
-              </a:rPr>
-              <a:t>&lt;&lt; ++count &lt;&lt; </a:t>
-            </a:r>
-            <a:r>
-              <a:rPr lang="en-US" altLang="ko-KR" sz="1200" dirty="0" err="1">
-                <a:latin typeface="HY견고딕" pitchFamily="18" charset="-127"/>
-                <a:ea typeface="HY견고딕" pitchFamily="18" charset="-127"/>
-              </a:rPr>
-              <a:t>endl</a:t>
-            </a:r>
-            <a:r>
-              <a:rPr lang="en-US" altLang="ko-KR" sz="1200" dirty="0">
+              <a:rPr lang="en-US" altLang="ko-KR" sz="900" dirty="0">
                 <a:latin typeface="HY견고딕" pitchFamily="18" charset="-127"/>
                 <a:ea typeface="HY견고딕" pitchFamily="18" charset="-127"/>
               </a:rPr>
@@ -27302,91 +27186,128 @@
           </a:p>
           <a:p>
             <a:r>
-              <a:rPr lang="en-US" altLang="ko-KR" sz="1200" dirty="0" smtClean="0">
-                <a:latin typeface="HY견고딕" pitchFamily="18" charset="-127"/>
-                <a:ea typeface="HY견고딕" pitchFamily="18" charset="-127"/>
-              </a:rPr>
-              <a:t>		}</a:t>
-            </a:r>
-            <a:endParaRPr lang="en-US" altLang="ko-KR" sz="1200" dirty="0">
+              <a:rPr lang="en-US" altLang="ko-KR" sz="900" dirty="0" smtClean="0">
+                <a:latin typeface="HY견고딕" pitchFamily="18" charset="-127"/>
+                <a:ea typeface="HY견고딕" pitchFamily="18" charset="-127"/>
+              </a:rPr>
+              <a:t>		++</a:t>
+            </a:r>
+            <a:r>
+              <a:rPr lang="en-US" altLang="ko-KR" sz="900" dirty="0" err="1">
+                <a:latin typeface="HY견고딕" pitchFamily="18" charset="-127"/>
+                <a:ea typeface="HY견고딕" pitchFamily="18" charset="-127"/>
+              </a:rPr>
+              <a:t>s_icount</a:t>
+            </a:r>
+            <a:r>
+              <a:rPr lang="en-US" altLang="ko-KR" sz="900" dirty="0">
+                <a:latin typeface="HY견고딕" pitchFamily="18" charset="-127"/>
+                <a:ea typeface="HY견고딕" pitchFamily="18" charset="-127"/>
+              </a:rPr>
+              <a:t>;</a:t>
+            </a:r>
+          </a:p>
+          <a:p>
+            <a:r>
+              <a:rPr lang="en-US" altLang="ko-KR" sz="900" dirty="0" smtClean="0">
+                <a:latin typeface="HY견고딕" pitchFamily="18" charset="-127"/>
+                <a:ea typeface="HY견고딕" pitchFamily="18" charset="-127"/>
+              </a:rPr>
+              <a:t>	}</a:t>
+            </a:r>
+            <a:endParaRPr lang="en-US" altLang="ko-KR" sz="900" dirty="0">
               <a:latin typeface="HY견고딕" pitchFamily="18" charset="-127"/>
               <a:ea typeface="HY견고딕" pitchFamily="18" charset="-127"/>
             </a:endParaRPr>
           </a:p>
           <a:p>
             <a:r>
-              <a:rPr lang="en-US" altLang="ko-KR" sz="1200" dirty="0" smtClean="0">
-                <a:latin typeface="HY견고딕" pitchFamily="18" charset="-127"/>
-                <a:ea typeface="HY견고딕" pitchFamily="18" charset="-127"/>
-              </a:rPr>
-              <a:t>		static </a:t>
-            </a:r>
-            <a:r>
-              <a:rPr lang="en-US" altLang="ko-KR" sz="1200" dirty="0">
-                <a:latin typeface="HY견고딕" pitchFamily="18" charset="-127"/>
-                <a:ea typeface="HY견고딕" pitchFamily="18" charset="-127"/>
-              </a:rPr>
-              <a:t>void Print()</a:t>
-            </a:r>
-          </a:p>
-          <a:p>
-            <a:r>
-              <a:rPr lang="en-US" altLang="ko-KR" sz="1200" dirty="0" smtClean="0">
-                <a:latin typeface="HY견고딕" pitchFamily="18" charset="-127"/>
-                <a:ea typeface="HY견고딕" pitchFamily="18" charset="-127"/>
-              </a:rPr>
-              <a:t>		{	</a:t>
-            </a:r>
-            <a:endParaRPr lang="en-US" altLang="ko-KR" sz="1200" dirty="0">
+              <a:rPr lang="en-US" altLang="ko-KR" sz="900" dirty="0" smtClean="0">
+                <a:latin typeface="HY견고딕" pitchFamily="18" charset="-127"/>
+                <a:ea typeface="HY견고딕" pitchFamily="18" charset="-127"/>
+              </a:rPr>
+              <a:t>	void </a:t>
+            </a:r>
+            <a:r>
+              <a:rPr lang="en-US" altLang="ko-KR" sz="900" dirty="0" err="1">
+                <a:latin typeface="HY견고딕" pitchFamily="18" charset="-127"/>
+                <a:ea typeface="HY견고딕" pitchFamily="18" charset="-127"/>
+              </a:rPr>
+              <a:t>My_Room</a:t>
+            </a:r>
+            <a:r>
+              <a:rPr lang="en-US" altLang="ko-KR" sz="900" dirty="0">
+                <a:latin typeface="HY견고딕" pitchFamily="18" charset="-127"/>
+                <a:ea typeface="HY견고딕" pitchFamily="18" charset="-127"/>
+              </a:rPr>
+              <a:t>()</a:t>
+            </a:r>
+          </a:p>
+          <a:p>
+            <a:r>
+              <a:rPr lang="en-US" altLang="ko-KR" sz="900" dirty="0" smtClean="0">
+                <a:latin typeface="HY견고딕" pitchFamily="18" charset="-127"/>
+                <a:ea typeface="HY견고딕" pitchFamily="18" charset="-127"/>
+              </a:rPr>
+              <a:t>	{</a:t>
+            </a:r>
+            <a:endParaRPr lang="en-US" altLang="ko-KR" sz="900" dirty="0">
               <a:latin typeface="HY견고딕" pitchFamily="18" charset="-127"/>
               <a:ea typeface="HY견고딕" pitchFamily="18" charset="-127"/>
             </a:endParaRPr>
           </a:p>
           <a:p>
             <a:r>
-              <a:rPr lang="en-US" altLang="ko-KR" sz="1200" dirty="0" smtClean="0">
-                <a:latin typeface="HY견고딕" pitchFamily="18" charset="-127"/>
-                <a:ea typeface="HY견고딕" pitchFamily="18" charset="-127"/>
-              </a:rPr>
-              <a:t>			</a:t>
-            </a:r>
-            <a:r>
-              <a:rPr lang="en-US" altLang="ko-KR" sz="1200" dirty="0" err="1" smtClean="0">
+              <a:rPr lang="en-US" altLang="ko-KR" sz="900" dirty="0" smtClean="0">
+                <a:latin typeface="HY견고딕" pitchFamily="18" charset="-127"/>
+                <a:ea typeface="HY견고딕" pitchFamily="18" charset="-127"/>
+              </a:rPr>
+              <a:t>		</a:t>
+            </a:r>
+            <a:r>
+              <a:rPr lang="en-US" altLang="ko-KR" sz="900" dirty="0" err="1" smtClean="0">
                 <a:latin typeface="HY견고딕" pitchFamily="18" charset="-127"/>
                 <a:ea typeface="HY견고딕" pitchFamily="18" charset="-127"/>
               </a:rPr>
               <a:t>cout</a:t>
             </a:r>
             <a:r>
-              <a:rPr lang="en-US" altLang="ko-KR" sz="1200" dirty="0" smtClean="0">
+              <a:rPr lang="en-US" altLang="ko-KR" sz="900" dirty="0" smtClean="0">
                 <a:latin typeface="HY견고딕" pitchFamily="18" charset="-127"/>
                 <a:ea typeface="HY견고딕" pitchFamily="18" charset="-127"/>
               </a:rPr>
               <a:t> </a:t>
             </a:r>
             <a:r>
-              <a:rPr lang="en-US" altLang="ko-KR" sz="1200" dirty="0">
-                <a:latin typeface="HY견고딕" pitchFamily="18" charset="-127"/>
-                <a:ea typeface="HY견고딕" pitchFamily="18" charset="-127"/>
-              </a:rPr>
-              <a:t>&lt;&lt; "count : " &lt;&lt; count </a:t>
-            </a:r>
-            <a:r>
-              <a:rPr lang="en-US" altLang="ko-KR" sz="1200" dirty="0" smtClean="0">
-                <a:latin typeface="HY견고딕" pitchFamily="18" charset="-127"/>
-                <a:ea typeface="HY견고딕" pitchFamily="18" charset="-127"/>
-              </a:rPr>
-              <a:t>&lt;&lt; </a:t>
-            </a:r>
-            <a:r>
-              <a:rPr lang="en-US" altLang="ko-KR" sz="1200" dirty="0" err="1">
+              <a:rPr lang="en-US" altLang="ko-KR" sz="900" dirty="0">
+                <a:latin typeface="HY견고딕" pitchFamily="18" charset="-127"/>
+                <a:ea typeface="HY견고딕" pitchFamily="18" charset="-127"/>
+              </a:rPr>
+              <a:t>&lt;&lt; "count : " &lt;&lt; </a:t>
+            </a:r>
+            <a:r>
+              <a:rPr lang="en-US" altLang="ko-KR" sz="900" dirty="0" err="1">
+                <a:latin typeface="HY견고딕" pitchFamily="18" charset="-127"/>
+                <a:ea typeface="HY견고딕" pitchFamily="18" charset="-127"/>
+              </a:rPr>
+              <a:t>s_icount</a:t>
+            </a:r>
+            <a:r>
+              <a:rPr lang="en-US" altLang="ko-KR" sz="900" dirty="0">
+                <a:latin typeface="HY견고딕" pitchFamily="18" charset="-127"/>
+                <a:ea typeface="HY견고딕" pitchFamily="18" charset="-127"/>
+              </a:rPr>
+              <a:t> &lt;&lt; </a:t>
+            </a:r>
+            <a:r>
+              <a:rPr lang="en-US" altLang="ko-KR" sz="900" dirty="0" err="1">
                 <a:latin typeface="HY견고딕" pitchFamily="18" charset="-127"/>
                 <a:ea typeface="HY견고딕" pitchFamily="18" charset="-127"/>
               </a:rPr>
               <a:t>endl</a:t>
             </a:r>
             <a:r>
-              <a:rPr lang="en-US" altLang="ko-KR" sz="1200" dirty="0">
+              <a:rPr lang="en-US" altLang="ko-KR" sz="900" dirty="0">
                 <a:latin typeface="HY견고딕" pitchFamily="18" charset="-127"/>
                 <a:ea typeface="HY견고딕" pitchFamily="18" charset="-127"/>
               </a:rPr>
@@ -27395,70 +27316,70 @@
           </a:p>
           <a:p>
             <a:r>
-              <a:rPr lang="en-US" altLang="ko-KR" sz="1200" dirty="0" smtClean="0">
-                <a:latin typeface="HY견고딕" pitchFamily="18" charset="-127"/>
-                <a:ea typeface="HY견고딕" pitchFamily="18" charset="-127"/>
-              </a:rPr>
-              <a:t>			//</a:t>
-            </a:r>
-            <a:r>
-              <a:rPr lang="en-US" altLang="ko-KR" sz="1200" dirty="0" err="1">
+              <a:rPr lang="en-US" altLang="ko-KR" sz="900" dirty="0" smtClean="0">
+                <a:latin typeface="HY견고딕" pitchFamily="18" charset="-127"/>
+                <a:ea typeface="HY견고딕" pitchFamily="18" charset="-127"/>
+              </a:rPr>
+              <a:t>		</a:t>
+            </a:r>
+            <a:r>
+              <a:rPr lang="en-US" altLang="ko-KR" sz="900" dirty="0" err="1" smtClean="0">
                 <a:latin typeface="HY견고딕" pitchFamily="18" charset="-127"/>
                 <a:ea typeface="HY견고딕" pitchFamily="18" charset="-127"/>
               </a:rPr>
               <a:t>cout</a:t>
             </a:r>
             <a:r>
-              <a:rPr lang="en-US" altLang="ko-KR" sz="1200" dirty="0">
-                <a:latin typeface="HY견고딕" pitchFamily="18" charset="-127"/>
-                <a:ea typeface="HY견고딕" pitchFamily="18" charset="-127"/>
-              </a:rPr>
-              <a:t> &lt;&lt; "</a:t>
-            </a:r>
-            <a:r>
-              <a:rPr lang="en-US" altLang="ko-KR" sz="1200" dirty="0" err="1">
+              <a:rPr lang="en-US" altLang="ko-KR" sz="900" dirty="0" smtClean="0">
+                <a:latin typeface="HY견고딕" pitchFamily="18" charset="-127"/>
+                <a:ea typeface="HY견고딕" pitchFamily="18" charset="-127"/>
+              </a:rPr>
+              <a:t> </a:t>
+            </a:r>
+            <a:r>
+              <a:rPr lang="en-US" altLang="ko-KR" sz="900" dirty="0">
+                <a:latin typeface="HY견고딕" pitchFamily="18" charset="-127"/>
+                <a:ea typeface="HY견고딕" pitchFamily="18" charset="-127"/>
+              </a:rPr>
+              <a:t>&lt;&lt; "</a:t>
+            </a:r>
+            <a:r>
+              <a:rPr lang="en-US" altLang="ko-KR" sz="900" dirty="0" err="1">
                 <a:latin typeface="HY견고딕" pitchFamily="18" charset="-127"/>
                 <a:ea typeface="HY견고딕" pitchFamily="18" charset="-127"/>
               </a:rPr>
               <a:t>Num</a:t>
             </a:r>
             <a:r>
-              <a:rPr lang="en-US" altLang="ko-KR" sz="1200" dirty="0">
+              <a:rPr lang="en-US" altLang="ko-KR" sz="900" dirty="0">
                 <a:latin typeface="HY견고딕" pitchFamily="18" charset="-127"/>
                 <a:ea typeface="HY견고딕" pitchFamily="18" charset="-127"/>
               </a:rPr>
               <a:t> : " &lt;&lt; </a:t>
             </a:r>
             <a:r>
-              <a:rPr lang="en-US" altLang="ko-KR" sz="1200" dirty="0" err="1">
-                <a:latin typeface="HY견고딕" pitchFamily="18" charset="-127"/>
-                <a:ea typeface="HY견고딕" pitchFamily="18" charset="-127"/>
-              </a:rPr>
-              <a:t>Num</a:t>
-            </a:r>
-            <a:r>
-              <a:rPr lang="en-US" altLang="ko-KR" sz="1200" dirty="0">
-                <a:latin typeface="HY견고딕" pitchFamily="18" charset="-127"/>
-                <a:ea typeface="HY견고딕" pitchFamily="18" charset="-127"/>
-              </a:rPr>
-              <a:t> </a:t>
-            </a:r>
-            <a:r>
-              <a:rPr lang="en-US" altLang="ko-KR" sz="1200" dirty="0" smtClean="0">
-                <a:latin typeface="HY견고딕" pitchFamily="18" charset="-127"/>
-                <a:ea typeface="HY견고딕" pitchFamily="18" charset="-127"/>
-              </a:rPr>
-              <a:t>&lt;&lt; </a:t>
-            </a:r>
-            <a:r>
-              <a:rPr lang="en-US" altLang="ko-KR" sz="1200" dirty="0" err="1">
+              <a:rPr lang="en-US" altLang="ko-KR" sz="900" dirty="0" err="1">
+                <a:latin typeface="HY견고딕" pitchFamily="18" charset="-127"/>
+                <a:ea typeface="HY견고딕" pitchFamily="18" charset="-127"/>
+              </a:rPr>
+              <a:t>m_iNum</a:t>
+            </a:r>
+            <a:r>
+              <a:rPr lang="en-US" altLang="ko-KR" sz="900" dirty="0">
+                <a:latin typeface="HY견고딕" pitchFamily="18" charset="-127"/>
+                <a:ea typeface="HY견고딕" pitchFamily="18" charset="-127"/>
+              </a:rPr>
+              <a:t> &lt;&lt; </a:t>
+            </a:r>
+            <a:r>
+              <a:rPr lang="en-US" altLang="ko-KR" sz="900" dirty="0" err="1">
                 <a:latin typeface="HY견고딕" pitchFamily="18" charset="-127"/>
                 <a:ea typeface="HY견고딕" pitchFamily="18" charset="-127"/>
               </a:rPr>
               <a:t>endl</a:t>
             </a:r>
             <a:r>
-              <a:rPr lang="en-US" altLang="ko-KR" sz="1200" dirty="0">
+              <a:rPr lang="en-US" altLang="ko-KR" sz="900" dirty="0">
                 <a:latin typeface="HY견고딕" pitchFamily="18" charset="-127"/>
                 <a:ea typeface="HY견고딕" pitchFamily="18" charset="-127"/>
               </a:rPr>
@@ -27467,220 +27388,381 @@
           </a:p>
           <a:p>
             <a:r>
-              <a:rPr lang="en-US" altLang="ko-KR" sz="1200" dirty="0" smtClean="0">
-                <a:latin typeface="HY견고딕" pitchFamily="18" charset="-127"/>
-                <a:ea typeface="HY견고딕" pitchFamily="18" charset="-127"/>
-              </a:rPr>
-              <a:t>		}</a:t>
-            </a:r>
-            <a:endParaRPr lang="en-US" altLang="ko-KR" sz="1200" dirty="0">
+              <a:rPr lang="en-US" altLang="ko-KR" sz="900" dirty="0" smtClean="0">
+                <a:latin typeface="HY견고딕" pitchFamily="18" charset="-127"/>
+                <a:ea typeface="HY견고딕" pitchFamily="18" charset="-127"/>
+              </a:rPr>
+              <a:t>	}</a:t>
+            </a:r>
+            <a:endParaRPr lang="en-US" altLang="ko-KR" sz="900" dirty="0">
               <a:latin typeface="HY견고딕" pitchFamily="18" charset="-127"/>
               <a:ea typeface="HY견고딕" pitchFamily="18" charset="-127"/>
             </a:endParaRPr>
           </a:p>
           <a:p>
             <a:r>
-              <a:rPr lang="en-US" altLang="ko-KR" sz="1200" dirty="0" smtClean="0">
-                <a:latin typeface="HY견고딕" pitchFamily="18" charset="-127"/>
-                <a:ea typeface="HY견고딕" pitchFamily="18" charset="-127"/>
-              </a:rPr>
-              <a:t>};</a:t>
-            </a:r>
-            <a:endParaRPr lang="en-US" altLang="ko-KR" sz="1200" dirty="0">
+              <a:rPr lang="en-US" altLang="ko-KR" sz="900" dirty="0" smtClean="0">
+                <a:latin typeface="HY견고딕" pitchFamily="18" charset="-127"/>
+                <a:ea typeface="HY견고딕" pitchFamily="18" charset="-127"/>
+              </a:rPr>
+              <a:t>	static </a:t>
+            </a:r>
+            <a:r>
+              <a:rPr lang="en-US" altLang="ko-KR" sz="900" dirty="0">
+                <a:latin typeface="HY견고딕" pitchFamily="18" charset="-127"/>
+                <a:ea typeface="HY견고딕" pitchFamily="18" charset="-127"/>
+              </a:rPr>
+              <a:t>void Print()</a:t>
+            </a:r>
+          </a:p>
+          <a:p>
+            <a:r>
+              <a:rPr lang="en-US" altLang="ko-KR" sz="900" dirty="0" smtClean="0">
+                <a:latin typeface="HY견고딕" pitchFamily="18" charset="-127"/>
+                <a:ea typeface="HY견고딕" pitchFamily="18" charset="-127"/>
+              </a:rPr>
+              <a:t>	{</a:t>
+            </a:r>
+            <a:endParaRPr lang="en-US" altLang="ko-KR" sz="900" dirty="0">
               <a:latin typeface="HY견고딕" pitchFamily="18" charset="-127"/>
               <a:ea typeface="HY견고딕" pitchFamily="18" charset="-127"/>
             </a:endParaRPr>
           </a:p>
           <a:p>
             <a:r>
-              <a:rPr lang="en-US" altLang="ko-KR" sz="1200" dirty="0" err="1" smtClean="0">
-                <a:latin typeface="HY견고딕" pitchFamily="18" charset="-127"/>
-                <a:ea typeface="HY견고딕" pitchFamily="18" charset="-127"/>
-              </a:rPr>
-              <a:t>int</a:t>
-            </a:r>
-            <a:r>
-              <a:rPr lang="en-US" altLang="ko-KR" sz="1200" dirty="0" smtClean="0">
+              <a:rPr lang="en-US" altLang="ko-KR" sz="900" dirty="0" smtClean="0">
+                <a:latin typeface="HY견고딕" pitchFamily="18" charset="-127"/>
+                <a:ea typeface="HY견고딕" pitchFamily="18" charset="-127"/>
+              </a:rPr>
+              <a:t>		</a:t>
+            </a:r>
+            <a:r>
+              <a:rPr lang="en-US" altLang="ko-KR" sz="900" dirty="0" err="1" smtClean="0">
+                <a:latin typeface="HY견고딕" pitchFamily="18" charset="-127"/>
+                <a:ea typeface="HY견고딕" pitchFamily="18" charset="-127"/>
+              </a:rPr>
+              <a:t>cout</a:t>
+            </a:r>
+            <a:r>
+              <a:rPr lang="en-US" altLang="ko-KR" sz="900" dirty="0" smtClean="0">
                 <a:latin typeface="HY견고딕" pitchFamily="18" charset="-127"/>
                 <a:ea typeface="HY견고딕" pitchFamily="18" charset="-127"/>
               </a:rPr>
               <a:t> </a:t>
             </a:r>
             <a:r>
-              <a:rPr lang="en-US" altLang="ko-KR" sz="1200" dirty="0">
-                <a:latin typeface="HY견고딕" pitchFamily="18" charset="-127"/>
-                <a:ea typeface="HY견고딕" pitchFamily="18" charset="-127"/>
-              </a:rPr>
-              <a:t>A::count = 0;</a:t>
-            </a:r>
-          </a:p>
-          <a:p>
-            <a:r>
-              <a:rPr lang="en-US" altLang="ko-KR" sz="1200" dirty="0" smtClean="0">
-                <a:latin typeface="HY견고딕" pitchFamily="18" charset="-127"/>
-                <a:ea typeface="HY견고딕" pitchFamily="18" charset="-127"/>
-              </a:rPr>
-              <a:t>void </a:t>
-            </a:r>
-            <a:r>
-              <a:rPr lang="en-US" altLang="ko-KR" sz="1200" dirty="0">
-                <a:latin typeface="HY견고딕" pitchFamily="18" charset="-127"/>
-                <a:ea typeface="HY견고딕" pitchFamily="18" charset="-127"/>
-              </a:rPr>
-              <a:t>main()</a:t>
-            </a:r>
-          </a:p>
-          <a:p>
-            <a:r>
-              <a:rPr lang="en-US" altLang="ko-KR" sz="1200" dirty="0" smtClean="0">
-                <a:latin typeface="HY견고딕" pitchFamily="18" charset="-127"/>
-                <a:ea typeface="HY견고딕" pitchFamily="18" charset="-127"/>
-              </a:rPr>
-              <a:t>{</a:t>
-            </a:r>
-            <a:endParaRPr lang="en-US" altLang="ko-KR" sz="1200" dirty="0">
+              <a:rPr lang="en-US" altLang="ko-KR" sz="900" dirty="0">
+                <a:latin typeface="HY견고딕" pitchFamily="18" charset="-127"/>
+                <a:ea typeface="HY견고딕" pitchFamily="18" charset="-127"/>
+              </a:rPr>
+              <a:t>&lt;&lt; "count : " &lt;&lt; </a:t>
+            </a:r>
+            <a:r>
+              <a:rPr lang="en-US" altLang="ko-KR" sz="900" dirty="0" err="1">
+                <a:latin typeface="HY견고딕" pitchFamily="18" charset="-127"/>
+                <a:ea typeface="HY견고딕" pitchFamily="18" charset="-127"/>
+              </a:rPr>
+              <a:t>s_icount</a:t>
+            </a:r>
+            <a:r>
+              <a:rPr lang="en-US" altLang="ko-KR" sz="900" dirty="0">
+                <a:latin typeface="HY견고딕" pitchFamily="18" charset="-127"/>
+                <a:ea typeface="HY견고딕" pitchFamily="18" charset="-127"/>
+              </a:rPr>
+              <a:t> &lt;&lt; </a:t>
+            </a:r>
+            <a:r>
+              <a:rPr lang="en-US" altLang="ko-KR" sz="900" dirty="0" err="1">
+                <a:latin typeface="HY견고딕" pitchFamily="18" charset="-127"/>
+                <a:ea typeface="HY견고딕" pitchFamily="18" charset="-127"/>
+              </a:rPr>
+              <a:t>endl</a:t>
+            </a:r>
+            <a:r>
+              <a:rPr lang="en-US" altLang="ko-KR" sz="900" dirty="0">
+                <a:latin typeface="HY견고딕" pitchFamily="18" charset="-127"/>
+                <a:ea typeface="HY견고딕" pitchFamily="18" charset="-127"/>
+              </a:rPr>
+              <a:t>;</a:t>
+            </a:r>
+          </a:p>
+          <a:p>
+            <a:r>
+              <a:rPr lang="en-US" altLang="ko-KR" sz="900" dirty="0" smtClean="0">
+                <a:latin typeface="HY견고딕" pitchFamily="18" charset="-127"/>
+                <a:ea typeface="HY견고딕" pitchFamily="18" charset="-127"/>
+              </a:rPr>
+              <a:t>		</a:t>
+            </a:r>
+            <a:r>
+              <a:rPr lang="en-US" altLang="ko-KR" sz="900" dirty="0" err="1" smtClean="0">
+                <a:latin typeface="HY견고딕" pitchFamily="18" charset="-127"/>
+                <a:ea typeface="HY견고딕" pitchFamily="18" charset="-127"/>
+              </a:rPr>
+              <a:t>cout</a:t>
+            </a:r>
+            <a:r>
+              <a:rPr lang="en-US" altLang="ko-KR" sz="900" dirty="0" smtClean="0">
+                <a:latin typeface="HY견고딕" pitchFamily="18" charset="-127"/>
+                <a:ea typeface="HY견고딕" pitchFamily="18" charset="-127"/>
+              </a:rPr>
+              <a:t> </a:t>
+            </a:r>
+            <a:r>
+              <a:rPr lang="en-US" altLang="ko-KR" sz="900" dirty="0">
+                <a:latin typeface="HY견고딕" pitchFamily="18" charset="-127"/>
+                <a:ea typeface="HY견고딕" pitchFamily="18" charset="-127"/>
+              </a:rPr>
+              <a:t>&lt;&lt; "</a:t>
+            </a:r>
+            <a:r>
+              <a:rPr lang="en-US" altLang="ko-KR" sz="900" dirty="0" err="1">
+                <a:latin typeface="HY견고딕" pitchFamily="18" charset="-127"/>
+                <a:ea typeface="HY견고딕" pitchFamily="18" charset="-127"/>
+              </a:rPr>
+              <a:t>Num</a:t>
+            </a:r>
+            <a:r>
+              <a:rPr lang="en-US" altLang="ko-KR" sz="900" dirty="0">
+                <a:latin typeface="HY견고딕" pitchFamily="18" charset="-127"/>
+                <a:ea typeface="HY견고딕" pitchFamily="18" charset="-127"/>
+              </a:rPr>
+              <a:t> : " &lt;&lt; </a:t>
+            </a:r>
+            <a:r>
+              <a:rPr lang="en-US" altLang="ko-KR" sz="900" dirty="0" err="1">
+                <a:latin typeface="HY견고딕" pitchFamily="18" charset="-127"/>
+                <a:ea typeface="HY견고딕" pitchFamily="18" charset="-127"/>
+              </a:rPr>
+              <a:t>m_iNum</a:t>
+            </a:r>
+            <a:r>
+              <a:rPr lang="en-US" altLang="ko-KR" sz="900" dirty="0">
+                <a:latin typeface="HY견고딕" pitchFamily="18" charset="-127"/>
+                <a:ea typeface="HY견고딕" pitchFamily="18" charset="-127"/>
+              </a:rPr>
+              <a:t> &lt;&lt; </a:t>
+            </a:r>
+            <a:r>
+              <a:rPr lang="en-US" altLang="ko-KR" sz="900" dirty="0" err="1">
+                <a:latin typeface="HY견고딕" pitchFamily="18" charset="-127"/>
+                <a:ea typeface="HY견고딕" pitchFamily="18" charset="-127"/>
+              </a:rPr>
+              <a:t>endl</a:t>
+            </a:r>
+            <a:r>
+              <a:rPr lang="en-US" altLang="ko-KR" sz="900" dirty="0">
+                <a:latin typeface="HY견고딕" pitchFamily="18" charset="-127"/>
+                <a:ea typeface="HY견고딕" pitchFamily="18" charset="-127"/>
+              </a:rPr>
+              <a:t>;</a:t>
+            </a:r>
+          </a:p>
+          <a:p>
+            <a:r>
+              <a:rPr lang="en-US" altLang="ko-KR" sz="900" dirty="0" smtClean="0">
+                <a:latin typeface="HY견고딕" pitchFamily="18" charset="-127"/>
+                <a:ea typeface="HY견고딕" pitchFamily="18" charset="-127"/>
+              </a:rPr>
+              <a:t>	}</a:t>
+            </a:r>
+            <a:endParaRPr lang="en-US" altLang="ko-KR" sz="900" dirty="0">
               <a:latin typeface="HY견고딕" pitchFamily="18" charset="-127"/>
               <a:ea typeface="HY견고딕" pitchFamily="18" charset="-127"/>
             </a:endParaRPr>
           </a:p>
           <a:p>
             <a:r>
-              <a:rPr lang="en-US" altLang="ko-KR" sz="1200" dirty="0" smtClean="0">
+              <a:rPr lang="en-US" altLang="ko-KR" sz="900" dirty="0">
+                <a:latin typeface="HY견고딕" pitchFamily="18" charset="-127"/>
+                <a:ea typeface="HY견고딕" pitchFamily="18" charset="-127"/>
+              </a:rPr>
+              <a:t>};</a:t>
+            </a:r>
+          </a:p>
+          <a:p>
+            <a:r>
+              <a:rPr lang="en-US" altLang="ko-KR" sz="900" dirty="0" err="1">
+                <a:latin typeface="HY견고딕" pitchFamily="18" charset="-127"/>
+                <a:ea typeface="HY견고딕" pitchFamily="18" charset="-127"/>
+              </a:rPr>
+              <a:t>int</a:t>
+            </a:r>
+            <a:r>
+              <a:rPr lang="en-US" altLang="ko-KR" sz="900" dirty="0">
+                <a:latin typeface="HY견고딕" pitchFamily="18" charset="-127"/>
+                <a:ea typeface="HY견고딕" pitchFamily="18" charset="-127"/>
+              </a:rPr>
+              <a:t> A::s_icount = 0;</a:t>
+            </a:r>
+          </a:p>
+          <a:p>
+            <a:r>
+              <a:rPr lang="en-US" altLang="ko-KR" sz="900" dirty="0">
+                <a:latin typeface="HY견고딕" pitchFamily="18" charset="-127"/>
+                <a:ea typeface="HY견고딕" pitchFamily="18" charset="-127"/>
+              </a:rPr>
+              <a:t>void main()</a:t>
+            </a:r>
+          </a:p>
+          <a:p>
+            <a:r>
+              <a:rPr lang="en-US" altLang="ko-KR" sz="900" dirty="0">
+                <a:latin typeface="HY견고딕" pitchFamily="18" charset="-127"/>
+                <a:ea typeface="HY견고딕" pitchFamily="18" charset="-127"/>
+              </a:rPr>
+              <a:t>{</a:t>
+            </a:r>
+          </a:p>
+          <a:p>
+            <a:r>
+              <a:rPr lang="en-US" altLang="ko-KR" sz="900" dirty="0" smtClean="0">
                 <a:latin typeface="HY견고딕" pitchFamily="18" charset="-127"/>
                 <a:ea typeface="HY견고딕" pitchFamily="18" charset="-127"/>
               </a:rPr>
               <a:t>	A </a:t>
             </a:r>
             <a:r>
-              <a:rPr lang="en-US" altLang="ko-KR" sz="1200" dirty="0">
-                <a:latin typeface="HY견고딕" pitchFamily="18" charset="-127"/>
-                <a:ea typeface="HY견고딕" pitchFamily="18" charset="-127"/>
-              </a:rPr>
-              <a:t>a1;</a:t>
-            </a:r>
-          </a:p>
-          <a:p>
-            <a:r>
-              <a:rPr lang="en-US" altLang="ko-KR" sz="1200" dirty="0" smtClean="0">
-                <a:latin typeface="HY견고딕" pitchFamily="18" charset="-127"/>
-                <a:ea typeface="HY견고딕" pitchFamily="18" charset="-127"/>
-              </a:rPr>
-              <a:t>	A </a:t>
-            </a:r>
-            <a:r>
-              <a:rPr lang="en-US" altLang="ko-KR" sz="1200" dirty="0">
-                <a:latin typeface="HY견고딕" pitchFamily="18" charset="-127"/>
-                <a:ea typeface="HY견고딕" pitchFamily="18" charset="-127"/>
-              </a:rPr>
-              <a:t>a2;</a:t>
-            </a:r>
-          </a:p>
-          <a:p>
-            <a:r>
-              <a:rPr lang="en-US" altLang="ko-KR" sz="1200" dirty="0" smtClean="0">
-                <a:latin typeface="HY견고딕" pitchFamily="18" charset="-127"/>
-                <a:ea typeface="HY견고딕" pitchFamily="18" charset="-127"/>
-              </a:rPr>
-              <a:t>	A</a:t>
-            </a:r>
-            <a:r>
-              <a:rPr lang="en-US" altLang="ko-KR" sz="1200" dirty="0">
-                <a:latin typeface="HY견고딕" pitchFamily="18" charset="-127"/>
-                <a:ea typeface="HY견고딕" pitchFamily="18" charset="-127"/>
-              </a:rPr>
-              <a:t>::count = 10;</a:t>
-            </a:r>
-          </a:p>
-          <a:p>
-            <a:r>
-              <a:rPr lang="en-US" altLang="ko-KR" sz="1200" dirty="0" smtClean="0">
-                <a:latin typeface="HY견고딕" pitchFamily="18" charset="-127"/>
-                <a:ea typeface="HY견고딕" pitchFamily="18" charset="-127"/>
-              </a:rPr>
-              <a:t>	A </a:t>
-            </a:r>
-            <a:r>
-              <a:rPr lang="en-US" altLang="ko-KR" sz="1200" dirty="0">
-                <a:latin typeface="HY견고딕" pitchFamily="18" charset="-127"/>
-                <a:ea typeface="HY견고딕" pitchFamily="18" charset="-127"/>
-              </a:rPr>
-              <a:t>a3;</a:t>
-            </a:r>
-          </a:p>
-          <a:p>
-            <a:r>
-              <a:rPr lang="en-US" altLang="ko-KR" sz="1200" dirty="0" smtClean="0">
-                <a:latin typeface="HY견고딕" pitchFamily="18" charset="-127"/>
-                <a:ea typeface="HY견고딕" pitchFamily="18" charset="-127"/>
-              </a:rPr>
-              <a:t>	A </a:t>
-            </a:r>
-            <a:r>
-              <a:rPr lang="en-US" altLang="ko-KR" sz="1200" dirty="0">
-                <a:latin typeface="HY견고딕" pitchFamily="18" charset="-127"/>
-                <a:ea typeface="HY견고딕" pitchFamily="18" charset="-127"/>
-              </a:rPr>
-              <a:t>a4;</a:t>
-            </a:r>
-          </a:p>
-          <a:p>
-            <a:r>
-              <a:rPr lang="en-US" altLang="ko-KR" sz="1200" dirty="0" smtClean="0">
-                <a:latin typeface="HY견고딕" pitchFamily="18" charset="-127"/>
-                <a:ea typeface="HY견고딕" pitchFamily="18" charset="-127"/>
-              </a:rPr>
-              <a:t>	A </a:t>
-            </a:r>
-            <a:r>
-              <a:rPr lang="en-US" altLang="ko-KR" sz="1200" dirty="0">
-                <a:latin typeface="HY견고딕" pitchFamily="18" charset="-127"/>
-                <a:ea typeface="HY견고딕" pitchFamily="18" charset="-127"/>
-              </a:rPr>
-              <a:t>a5</a:t>
-            </a:r>
-            <a:r>
-              <a:rPr lang="en-US" altLang="ko-KR" sz="1200" dirty="0" smtClean="0">
-                <a:latin typeface="HY견고딕" pitchFamily="18" charset="-127"/>
-                <a:ea typeface="HY견고딕" pitchFamily="18" charset="-127"/>
-              </a:rPr>
-              <a:t>;</a:t>
-            </a:r>
-          </a:p>
-          <a:p>
-            <a:r>
-              <a:rPr lang="en-US" altLang="ko-KR" sz="1200" dirty="0">
+              <a:rPr lang="en-US" altLang="ko-KR" sz="900" dirty="0">
+                <a:latin typeface="HY견고딕" pitchFamily="18" charset="-127"/>
+                <a:ea typeface="HY견고딕" pitchFamily="18" charset="-127"/>
+              </a:rPr>
+              <a:t>a1(10);</a:t>
+            </a:r>
+          </a:p>
+          <a:p>
+            <a:r>
+              <a:rPr lang="en-US" altLang="ko-KR" sz="900" dirty="0" smtClean="0">
+                <a:latin typeface="HY견고딕" pitchFamily="18" charset="-127"/>
+                <a:ea typeface="HY견고딕" pitchFamily="18" charset="-127"/>
+              </a:rPr>
+              <a:t>	a1.My_Room</a:t>
+            </a:r>
+            <a:r>
+              <a:rPr lang="en-US" altLang="ko-KR" sz="900" dirty="0">
+                <a:latin typeface="HY견고딕" pitchFamily="18" charset="-127"/>
+                <a:ea typeface="HY견고딕" pitchFamily="18" charset="-127"/>
+              </a:rPr>
+              <a:t>();</a:t>
+            </a:r>
+          </a:p>
+          <a:p>
+            <a:r>
+              <a:rPr lang="en-US" altLang="ko-KR" sz="900" dirty="0" smtClean="0">
+                <a:latin typeface="HY견고딕" pitchFamily="18" charset="-127"/>
+                <a:ea typeface="HY견고딕" pitchFamily="18" charset="-127"/>
+              </a:rPr>
+              <a:t>	a1.Print</a:t>
+            </a:r>
+            <a:r>
+              <a:rPr lang="en-US" altLang="ko-KR" sz="900" dirty="0">
+                <a:latin typeface="HY견고딕" pitchFamily="18" charset="-127"/>
+                <a:ea typeface="HY견고딕" pitchFamily="18" charset="-127"/>
+              </a:rPr>
+              <a:t>();</a:t>
+            </a:r>
+          </a:p>
+          <a:p>
+            <a:r>
+              <a:rPr lang="en-US" altLang="ko-KR" sz="900" dirty="0" smtClean="0">
                 <a:latin typeface="HY견고딕" pitchFamily="18" charset="-127"/>
                 <a:ea typeface="HY견고딕" pitchFamily="18" charset="-127"/>
               </a:rPr>
               <a:t>	</a:t>
             </a:r>
-            <a:r>
-              <a:rPr lang="en-US" altLang="ko-KR" sz="1200" dirty="0" smtClean="0">
-                <a:latin typeface="HY견고딕" pitchFamily="18" charset="-127"/>
-                <a:ea typeface="HY견고딕" pitchFamily="18" charset="-127"/>
-              </a:rPr>
-              <a:t>a5.Print();</a:t>
-            </a:r>
-            <a:endParaRPr lang="en-US" altLang="ko-KR" sz="1200" dirty="0">
+            <a:endParaRPr lang="ko-KR" altLang="en-US" sz="900" dirty="0">
               <a:latin typeface="HY견고딕" pitchFamily="18" charset="-127"/>
               <a:ea typeface="HY견고딕" pitchFamily="18" charset="-127"/>
             </a:endParaRPr>
           </a:p>
           <a:p>
             <a:r>
-              <a:rPr lang="en-US" altLang="ko-KR" sz="1200" dirty="0" smtClean="0">
-                <a:latin typeface="HY견고딕" pitchFamily="18" charset="-127"/>
-                <a:ea typeface="HY견고딕" pitchFamily="18" charset="-127"/>
-              </a:rPr>
-              <a:t>}</a:t>
-            </a:r>
-            <a:endParaRPr lang="en-US" altLang="ko-KR" sz="1200" dirty="0">
+              <a:rPr lang="en-US" altLang="ko-KR" sz="900" dirty="0" smtClean="0">
+                <a:latin typeface="HY견고딕" pitchFamily="18" charset="-127"/>
+                <a:ea typeface="HY견고딕" pitchFamily="18" charset="-127"/>
+              </a:rPr>
+              <a:t>	A </a:t>
+            </a:r>
+            <a:r>
+              <a:rPr lang="en-US" altLang="ko-KR" sz="900" dirty="0">
+                <a:latin typeface="HY견고딕" pitchFamily="18" charset="-127"/>
+                <a:ea typeface="HY견고딕" pitchFamily="18" charset="-127"/>
+              </a:rPr>
+              <a:t>a2(20);</a:t>
+            </a:r>
+          </a:p>
+          <a:p>
+            <a:r>
+              <a:rPr lang="en-US" altLang="ko-KR" sz="900" dirty="0" smtClean="0">
+                <a:latin typeface="HY견고딕" pitchFamily="18" charset="-127"/>
+                <a:ea typeface="HY견고딕" pitchFamily="18" charset="-127"/>
+              </a:rPr>
+              <a:t>	a2.My_Room</a:t>
+            </a:r>
+            <a:r>
+              <a:rPr lang="en-US" altLang="ko-KR" sz="900" dirty="0">
+                <a:latin typeface="HY견고딕" pitchFamily="18" charset="-127"/>
+                <a:ea typeface="HY견고딕" pitchFamily="18" charset="-127"/>
+              </a:rPr>
+              <a:t>();</a:t>
+            </a:r>
+          </a:p>
+          <a:p>
+            <a:r>
+              <a:rPr lang="en-US" altLang="ko-KR" sz="900" dirty="0" smtClean="0">
+                <a:latin typeface="HY견고딕" pitchFamily="18" charset="-127"/>
+                <a:ea typeface="HY견고딕" pitchFamily="18" charset="-127"/>
+              </a:rPr>
+              <a:t>	a2.Print</a:t>
+            </a:r>
+            <a:r>
+              <a:rPr lang="en-US" altLang="ko-KR" sz="900" dirty="0">
+                <a:latin typeface="HY견고딕" pitchFamily="18" charset="-127"/>
+                <a:ea typeface="HY견고딕" pitchFamily="18" charset="-127"/>
+              </a:rPr>
+              <a:t>();</a:t>
+            </a:r>
+          </a:p>
+          <a:p>
+            <a:r>
+              <a:rPr lang="en-US" altLang="ko-KR" sz="900" dirty="0" smtClean="0">
+                <a:latin typeface="HY견고딕" pitchFamily="18" charset="-127"/>
+                <a:ea typeface="HY견고딕" pitchFamily="18" charset="-127"/>
+              </a:rPr>
+              <a:t>	</a:t>
+            </a:r>
+            <a:endParaRPr lang="ko-KR" altLang="en-US" sz="900" dirty="0">
               <a:latin typeface="HY견고딕" pitchFamily="18" charset="-127"/>
               <a:ea typeface="HY견고딕" pitchFamily="18" charset="-127"/>
             </a:endParaRPr>
           </a:p>
           <a:p>
-            <a:endParaRPr lang="ko-KR" altLang="en-US" sz="1200" dirty="0">
+            <a:r>
+              <a:rPr lang="en-US" altLang="ko-KR" sz="900" dirty="0" smtClean="0">
+                <a:latin typeface="HY견고딕" pitchFamily="18" charset="-127"/>
+                <a:ea typeface="HY견고딕" pitchFamily="18" charset="-127"/>
+              </a:rPr>
+              <a:t>	A</a:t>
+            </a:r>
+            <a:r>
+              <a:rPr lang="en-US" altLang="ko-KR" sz="900" dirty="0">
+                <a:latin typeface="HY견고딕" pitchFamily="18" charset="-127"/>
+                <a:ea typeface="HY견고딕" pitchFamily="18" charset="-127"/>
+              </a:rPr>
+              <a:t>::Print();</a:t>
+            </a:r>
+          </a:p>
+          <a:p>
+            <a:r>
+              <a:rPr lang="en-US" altLang="ko-KR" sz="900" dirty="0">
+                <a:latin typeface="HY견고딕" pitchFamily="18" charset="-127"/>
+                <a:ea typeface="HY견고딕" pitchFamily="18" charset="-127"/>
+              </a:rPr>
+              <a:t>}</a:t>
+            </a:r>
+          </a:p>
+          <a:p>
+            <a:endParaRPr lang="ko-KR" altLang="en-US" sz="900" dirty="0">
               <a:latin typeface="HY견고딕" pitchFamily="18" charset="-127"/>
               <a:ea typeface="HY견고딕" pitchFamily="18" charset="-127"/>
             </a:endParaRPr>
